--- a/explorer/mentoring/business_model_canvas_spanish.pptx
+++ b/explorer/mentoring/business_model_canvas_spanish.pptx
@@ -199,7 +199,7 @@
           <a:p>
             <a:fld id="{C8FFD48F-8719-40F2-B0CF-2A5A63C0F0B9}" type="datetimeFigureOut">
               <a:rPr lang="es-ES" smtClean="0"/>
-              <a:t>25/02/2025</a:t>
+              <a:t>28/02/2025</a:t>
             </a:fld>
             <a:endParaRPr lang="es-ES"/>
           </a:p>
@@ -921,7 +921,7 @@
               <a:pPr>
                 <a:defRPr/>
               </a:pPr>
-              <a:t>25/02/2025</a:t>
+              <a:t>28/02/2025</a:t>
             </a:fld>
             <a:endParaRPr lang="es-ES"/>
           </a:p>
@@ -1136,7 +1136,7 @@
               <a:pPr>
                 <a:defRPr/>
               </a:pPr>
-              <a:t>25/02/2025</a:t>
+              <a:t>28/02/2025</a:t>
             </a:fld>
             <a:endParaRPr lang="es-ES"/>
           </a:p>
@@ -1361,7 +1361,7 @@
               <a:pPr>
                 <a:defRPr/>
               </a:pPr>
-              <a:t>25/02/2025</a:t>
+              <a:t>28/02/2025</a:t>
             </a:fld>
             <a:endParaRPr lang="es-ES"/>
           </a:p>
@@ -1576,7 +1576,7 @@
               <a:pPr>
                 <a:defRPr/>
               </a:pPr>
-              <a:t>25/02/2025</a:t>
+              <a:t>28/02/2025</a:t>
             </a:fld>
             <a:endParaRPr lang="es-ES"/>
           </a:p>
@@ -1867,7 +1867,7 @@
               <a:pPr>
                 <a:defRPr/>
               </a:pPr>
-              <a:t>25/02/2025</a:t>
+              <a:t>28/02/2025</a:t>
             </a:fld>
             <a:endParaRPr lang="es-ES"/>
           </a:p>
@@ -2150,7 +2150,7 @@
               <a:pPr>
                 <a:defRPr/>
               </a:pPr>
-              <a:t>25/02/2025</a:t>
+              <a:t>28/02/2025</a:t>
             </a:fld>
             <a:endParaRPr lang="es-ES"/>
           </a:p>
@@ -2580,7 +2580,7 @@
               <a:pPr>
                 <a:defRPr/>
               </a:pPr>
-              <a:t>25/02/2025</a:t>
+              <a:t>28/02/2025</a:t>
             </a:fld>
             <a:endParaRPr lang="es-ES"/>
           </a:p>
@@ -2737,7 +2737,7 @@
               <a:pPr>
                 <a:defRPr/>
               </a:pPr>
-              <a:t>2/25/2025</a:t>
+              <a:t>2/28/2025</a:t>
             </a:fld>
             <a:endParaRPr lang="en-US"/>
           </a:p>
@@ -2865,7 +2865,7 @@
               <a:pPr>
                 <a:defRPr/>
               </a:pPr>
-              <a:t>25/02/2025</a:t>
+              <a:t>28/02/2025</a:t>
             </a:fld>
             <a:endParaRPr lang="es-ES"/>
           </a:p>
@@ -3193,7 +3193,7 @@
               <a:pPr>
                 <a:defRPr/>
               </a:pPr>
-              <a:t>25/02/2025</a:t>
+              <a:t>28/02/2025</a:t>
             </a:fld>
             <a:endParaRPr lang="es-ES"/>
           </a:p>
@@ -3497,7 +3497,7 @@
               <a:pPr>
                 <a:defRPr/>
               </a:pPr>
-              <a:t>25/02/2025</a:t>
+              <a:t>28/02/2025</a:t>
             </a:fld>
             <a:endParaRPr lang="es-ES"/>
           </a:p>
@@ -3755,7 +3755,7 @@
               <a:pPr>
                 <a:defRPr/>
               </a:pPr>
-              <a:t>25/02/2025</a:t>
+              <a:t>28/02/2025</a:t>
             </a:fld>
             <a:endParaRPr lang="es-ES"/>
           </a:p>
@@ -4242,8 +4242,8 @@
         </p:nvSpPr>
         <p:spPr>
           <a:xfrm>
-            <a:off x="5001209" y="755781"/>
-            <a:ext cx="2313991" cy="4324261"/>
+            <a:off x="5001209" y="624976"/>
+            <a:ext cx="2313991" cy="4493538"/>
           </a:xfrm>
           <a:prstGeom prst="rect">
             <a:avLst/>
@@ -4264,7 +4264,7 @@
           <a:p>
             <a:r>
               <a:rPr lang="es-ES" sz="1100" dirty="0"/>
-              <a:t>Si al usarlo de forma intensa se apaga, no culparemos al usuario, lo consideraremos un fallo de diseño. Lo mismo con lluvia, polvo, sobrecalentamiento, etc. Facilidad para conseguir certificado VMP.</a:t>
+              <a:t>Si al usarlo de forma intensa se apaga, no culparemos al usuario, lo consideraremos un fallo de diseño. Lo mismo con lluvia, polvo, sobrecalentamiento, etc. Facilidad para conseguir certificado VMP (Vehículo de Movilidad Personal).</a:t>
             </a:r>
           </a:p>
           <a:p>
@@ -4294,7 +4294,15 @@
           <a:p>
             <a:r>
               <a:rPr lang="es-ES" sz="1100" dirty="0"/>
-              <a:t>Confianza para no quedarte tirado esperando una pieza que se ha roto.</a:t>
+              <a:t>Confianza para no quedarte tirado esperando una pieza que se ha roto. (</a:t>
+            </a:r>
+            <a:r>
+              <a:rPr lang="es-ES" sz="1100" dirty="0" err="1"/>
+              <a:t>Disclaimer</a:t>
+            </a:r>
+            <a:r>
+              <a:rPr lang="es-ES" sz="1100" dirty="0"/>
+              <a:t>, kit?)</a:t>
             </a:r>
           </a:p>
           <a:p>
@@ -4343,7 +4351,7 @@
         <p:spPr>
           <a:xfrm>
             <a:off x="9629192" y="755781"/>
-            <a:ext cx="2313990" cy="1954381"/>
+            <a:ext cx="2313990" cy="3477875"/>
           </a:xfrm>
           <a:prstGeom prst="rect">
             <a:avLst/>
@@ -4372,7 +4380,17 @@
             </a:pPr>
             <a:r>
               <a:rPr lang="es-ES" sz="1100" dirty="0"/>
-              <a:t>Usuarios que buscan un medio de transporte personal pero los patinetes no cumplen sus requisitos</a:t>
+              <a:t>INCLUIR 18-29</a:t>
+            </a:r>
+          </a:p>
+          <a:p>
+            <a:pPr marL="171450" indent="-171450">
+              <a:buFont typeface="Arial" panose="020B0604020202020204" pitchFamily="34" charset="0"/>
+              <a:buChar char="•"/>
+            </a:pPr>
+            <a:r>
+              <a:rPr lang="es-ES" sz="1100" dirty="0"/>
+              <a:t>Usuarios que buscan un medio de transporte personal pero los patinetes no cumplen sus requisitos (ir por campo, cabe en maletero)</a:t>
             </a:r>
           </a:p>
           <a:p>
@@ -4398,7 +4416,7 @@
             </a:r>
             <a:r>
               <a:rPr lang="es-ES" sz="1100" dirty="0"/>
-              <a:t> son personas que van a comprar su primer monociclo, o ya tienen uno?</a:t>
+              <a:t> son personas que van a comprar su primer monociclo, o ya tienen uno? AQUEL AL QUE ES MÁS FÁCIL CONVENCER O EXPLICAR</a:t>
             </a:r>
           </a:p>
           <a:p>
@@ -4410,6 +4428,23 @@
               <a:rPr lang="es-ES" sz="1100" dirty="0"/>
               <a:t>Geográficamente ?</a:t>
             </a:r>
+          </a:p>
+          <a:p>
+            <a:pPr marL="628650" lvl="1" indent="-171450">
+              <a:buFont typeface="Arial" panose="020B0604020202020204" pitchFamily="34" charset="0"/>
+              <a:buChar char="•"/>
+            </a:pPr>
+            <a:r>
+              <a:rPr lang="es-ES" sz="1100" dirty="0"/>
+              <a:t>INICIALMENTE CERCA, GARANTÍA, ASISTENCIA TÉCNICA. Internet en futuro.</a:t>
+            </a:r>
+          </a:p>
+          <a:p>
+            <a:pPr marL="171450" indent="-171450">
+              <a:buFont typeface="Arial" panose="020B0604020202020204" pitchFamily="34" charset="0"/>
+              <a:buChar char="•"/>
+            </a:pPr>
+            <a:endParaRPr lang="es-ES" sz="1100" dirty="0"/>
           </a:p>
           <a:p>
             <a:pPr marL="171450" indent="-171450">
@@ -4504,7 +4539,7 @@
         <p:spPr>
           <a:xfrm>
             <a:off x="7315200" y="2994856"/>
-            <a:ext cx="2313990" cy="1785104"/>
+            <a:ext cx="2313990" cy="1954381"/>
           </a:xfrm>
           <a:prstGeom prst="rect">
             <a:avLst/>
@@ -4523,7 +4558,17 @@
             </a:pPr>
             <a:r>
               <a:rPr lang="es-ES" sz="1100" dirty="0"/>
-              <a:t>Contenido en YouTube sobre el desarrollo, recortes a resto de redes sociales</a:t>
+              <a:t>Contenido en YouTube sobre el desarrollo, recortes a resto de redes sociales.</a:t>
+            </a:r>
+          </a:p>
+          <a:p>
+            <a:pPr marL="628650" lvl="1" indent="-171450">
+              <a:buFont typeface="Arial" panose="020B0604020202020204" pitchFamily="34" charset="0"/>
+              <a:buChar char="•"/>
+            </a:pPr>
+            <a:r>
+              <a:rPr lang="es-ES" sz="1100" dirty="0"/>
+              <a:t>DIFERENCIACIÓN</a:t>
             </a:r>
           </a:p>
           <a:p>
@@ -4562,7 +4607,7 @@
               <a:buChar char="•"/>
             </a:pPr>
             <a:r>
-              <a:rPr lang="es-ES" sz="1100" dirty="0"/>
+              <a:rPr lang="es-ES" sz="1100" b="1" dirty="0"/>
               <a:t>Distribución en tiendas de patinetes/bicicletas eléctricas</a:t>
             </a:r>
           </a:p>
@@ -6818,6 +6863,26 @@
 </file>
 
 <file path=customXml/item1.xml><?xml version="1.0" encoding="utf-8"?>
+<?mso-contentType ?>
+<FormTemplates xmlns="http://schemas.microsoft.com/sharepoint/v3/contenttype/forms">
+  <Display>DocumentLibraryForm</Display>
+  <Edit>DocumentLibraryForm</Edit>
+  <New>DocumentLibraryForm</New>
+</FormTemplates>
+</file>
+
+<file path=customXml/item2.xml><?xml version="1.0" encoding="utf-8"?>
+<p:properties xmlns:p="http://schemas.microsoft.com/office/2006/metadata/properties" xmlns:xsi="http://www.w3.org/2001/XMLSchema-instance" xmlns:pc="http://schemas.microsoft.com/office/infopath/2007/PartnerControls">
+  <documentManagement>
+    <lcf76f155ced4ddcb4097134ff3c332f xmlns="8894590a-63d3-477f-ae9c-2ee6b1ed86ab">
+      <Terms xmlns="http://schemas.microsoft.com/office/infopath/2007/PartnerControls"/>
+    </lcf76f155ced4ddcb4097134ff3c332f>
+    <TaxCatchAll xmlns="fb21810a-d3fa-4548-b058-2287e88bcdc2" xsi:nil="true"/>
+  </documentManagement>
+</p:properties>
+</file>
+
+<file path=customXml/item3.xml><?xml version="1.0" encoding="utf-8"?>
 <ct:contentTypeSchema xmlns:ct="http://schemas.microsoft.com/office/2006/metadata/contentType" xmlns:ma="http://schemas.microsoft.com/office/2006/metadata/properties/metaAttributes" ct:_="" ma:_="" ma:contentTypeName="Documento" ma:contentTypeID="0x0101000F296FF6DB4C134FB8B4909F877D1D9B" ma:contentTypeVersion="13" ma:contentTypeDescription="Crear nuevo documento." ma:contentTypeScope="" ma:versionID="79875dd09396de32a35a0e42943aa9f8">
   <xsd:schema xmlns:xsd="http://www.w3.org/2001/XMLSchema" xmlns:xs="http://www.w3.org/2001/XMLSchema" xmlns:p="http://schemas.microsoft.com/office/2006/metadata/properties" xmlns:ns2="fb21810a-d3fa-4548-b058-2287e88bcdc2" xmlns:ns3="8894590a-63d3-477f-ae9c-2ee6b1ed86ab" targetNamespace="http://schemas.microsoft.com/office/2006/metadata/properties" ma:root="true" ma:fieldsID="a53b57dba4ed0605b03bfce32ba9ed01" ns2:_="" ns3:_="">
     <xsd:import namespace="fb21810a-d3fa-4548-b058-2287e88bcdc2"/>
@@ -7040,27 +7105,26 @@
 </ct:contentTypeSchema>
 </file>
 
-<file path=customXml/item2.xml><?xml version="1.0" encoding="utf-8"?>
-<p:properties xmlns:p="http://schemas.microsoft.com/office/2006/metadata/properties" xmlns:xsi="http://www.w3.org/2001/XMLSchema-instance" xmlns:pc="http://schemas.microsoft.com/office/infopath/2007/PartnerControls">
-  <documentManagement>
-    <lcf76f155ced4ddcb4097134ff3c332f xmlns="8894590a-63d3-477f-ae9c-2ee6b1ed86ab">
-      <Terms xmlns="http://schemas.microsoft.com/office/infopath/2007/PartnerControls"/>
-    </lcf76f155ced4ddcb4097134ff3c332f>
-    <TaxCatchAll xmlns="fb21810a-d3fa-4548-b058-2287e88bcdc2" xsi:nil="true"/>
-  </documentManagement>
-</p:properties>
+<file path=customXml/itemProps1.xml><?xml version="1.0" encoding="utf-8"?>
+<ds:datastoreItem xmlns:ds="http://schemas.openxmlformats.org/officeDocument/2006/customXml" ds:itemID="{4C0C676C-2848-42E0-9CB7-98110D95193E}">
+  <ds:schemaRefs>
+    <ds:schemaRef ds:uri="http://schemas.microsoft.com/sharepoint/v3/contenttype/forms"/>
+  </ds:schemaRefs>
+</ds:datastoreItem>
 </file>
 
-<file path=customXml/item3.xml><?xml version="1.0" encoding="utf-8"?>
-<?mso-contentType ?>
-<FormTemplates xmlns="http://schemas.microsoft.com/sharepoint/v3/contenttype/forms">
-  <Display>DocumentLibraryForm</Display>
-  <Edit>DocumentLibraryForm</Edit>
-  <New>DocumentLibraryForm</New>
-</FormTemplates>
+<file path=customXml/itemProps2.xml><?xml version="1.0" encoding="utf-8"?>
+<ds:datastoreItem xmlns:ds="http://schemas.openxmlformats.org/officeDocument/2006/customXml" ds:itemID="{27D8B443-0B9E-47BD-AA8D-413ED483696F}">
+  <ds:schemaRefs>
+    <ds:schemaRef ds:uri="http://schemas.microsoft.com/office/2006/metadata/properties"/>
+    <ds:schemaRef ds:uri="http://schemas.microsoft.com/office/infopath/2007/PartnerControls"/>
+    <ds:schemaRef ds:uri="8894590a-63d3-477f-ae9c-2ee6b1ed86ab"/>
+    <ds:schemaRef ds:uri="fb21810a-d3fa-4548-b058-2287e88bcdc2"/>
+  </ds:schemaRefs>
+</ds:datastoreItem>
 </file>
 
-<file path=customXml/itemProps1.xml><?xml version="1.0" encoding="utf-8"?>
+<file path=customXml/itemProps3.xml><?xml version="1.0" encoding="utf-8"?>
 <ds:datastoreItem xmlns:ds="http://schemas.openxmlformats.org/officeDocument/2006/customXml" ds:itemID="{C009E48A-2689-4948-B176-09B8FB323772}">
   <ds:schemaRefs>
     <ds:schemaRef ds:uri="http://schemas.microsoft.com/office/2006/metadata/contentType"/>
@@ -7077,23 +7141,4 @@
     <ds:schemaRef ds:uri="http://schemas.microsoft.com/internal/obd"/>
   </ds:schemaRefs>
 </ds:datastoreItem>
-</file>
-
-<file path=customXml/itemProps2.xml><?xml version="1.0" encoding="utf-8"?>
-<ds:datastoreItem xmlns:ds="http://schemas.openxmlformats.org/officeDocument/2006/customXml" ds:itemID="{27D8B443-0B9E-47BD-AA8D-413ED483696F}">
-  <ds:schemaRefs>
-    <ds:schemaRef ds:uri="http://schemas.microsoft.com/office/2006/metadata/properties"/>
-    <ds:schemaRef ds:uri="http://schemas.microsoft.com/office/infopath/2007/PartnerControls"/>
-    <ds:schemaRef ds:uri="8894590a-63d3-477f-ae9c-2ee6b1ed86ab"/>
-    <ds:schemaRef ds:uri="fb21810a-d3fa-4548-b058-2287e88bcdc2"/>
-  </ds:schemaRefs>
-</ds:datastoreItem>
-</file>
-
-<file path=customXml/itemProps3.xml><?xml version="1.0" encoding="utf-8"?>
-<ds:datastoreItem xmlns:ds="http://schemas.openxmlformats.org/officeDocument/2006/customXml" ds:itemID="{4C0C676C-2848-42E0-9CB7-98110D95193E}">
-  <ds:schemaRefs>
-    <ds:schemaRef ds:uri="http://schemas.microsoft.com/sharepoint/v3/contenttype/forms"/>
-  </ds:schemaRefs>
-</ds:datastoreItem>
 </file>
--- a/explorer/mentoring/business_model_canvas_spanish.pptx
+++ b/explorer/mentoring/business_model_canvas_spanish.pptx
@@ -5,12 +5,15 @@
     <p:sldMasterId id="2147483681" r:id="rId4"/>
   </p:sldMasterIdLst>
   <p:notesMasterIdLst>
-    <p:notesMasterId r:id="rId8"/>
+    <p:notesMasterId r:id="rId11"/>
   </p:notesMasterIdLst>
   <p:sldIdLst>
     <p:sldId id="480" r:id="rId5"/>
     <p:sldId id="481" r:id="rId6"/>
     <p:sldId id="482" r:id="rId7"/>
+    <p:sldId id="483" r:id="rId8"/>
+    <p:sldId id="484" r:id="rId9"/>
+    <p:sldId id="485" r:id="rId10"/>
   </p:sldIdLst>
   <p:sldSz cx="12192000" cy="6858000"/>
   <p:notesSz cx="6858000" cy="9144000"/>
@@ -199,7 +202,7 @@
           <a:p>
             <a:fld id="{C8FFD48F-8719-40F2-B0CF-2A5A63C0F0B9}" type="datetimeFigureOut">
               <a:rPr lang="es-ES" smtClean="0"/>
-              <a:t>28/02/2025</a:t>
+              <a:t>10/03/2025</a:t>
             </a:fld>
             <a:endParaRPr lang="es-ES"/>
           </a:p>
@@ -766,6 +769,330 @@
 </p:notes>
 </file>
 
+<file path=ppt/notesSlides/notesSlide4.xml><?xml version="1.0" encoding="utf-8"?>
+<p:notes xmlns:a="http://schemas.openxmlformats.org/drawingml/2006/main" xmlns:r="http://schemas.openxmlformats.org/officeDocument/2006/relationships" xmlns:p="http://schemas.openxmlformats.org/presentationml/2006/main">
+  <p:cSld>
+    <p:spTree>
+      <p:nvGrpSpPr>
+        <p:cNvPr id="1" name="">
+          <a:extLst>
+            <a:ext uri="{FF2B5EF4-FFF2-40B4-BE49-F238E27FC236}">
+              <a16:creationId xmlns:a16="http://schemas.microsoft.com/office/drawing/2014/main" id="{768C4694-BE33-A133-D161-BA9ECA44D553}"/>
+            </a:ext>
+          </a:extLst>
+        </p:cNvPr>
+        <p:cNvGrpSpPr/>
+        <p:nvPr/>
+      </p:nvGrpSpPr>
+      <p:grpSpPr>
+        <a:xfrm>
+          <a:off x="0" y="0"/>
+          <a:ext cx="0" cy="0"/>
+          <a:chOff x="0" y="0"/>
+          <a:chExt cx="0" cy="0"/>
+        </a:xfrm>
+      </p:grpSpPr>
+      <p:sp>
+        <p:nvSpPr>
+          <p:cNvPr id="2" name="Slide Image Placeholder 1">
+            <a:extLst>
+              <a:ext uri="{FF2B5EF4-FFF2-40B4-BE49-F238E27FC236}">
+                <a16:creationId xmlns:a16="http://schemas.microsoft.com/office/drawing/2014/main" id="{726C6A62-EB90-8463-9F02-8502A3DD5FAD}"/>
+              </a:ext>
+            </a:extLst>
+          </p:cNvPr>
+          <p:cNvSpPr>
+            <a:spLocks noGrp="1" noRot="1" noChangeAspect="1"/>
+          </p:cNvSpPr>
+          <p:nvPr>
+            <p:ph type="sldImg"/>
+          </p:nvPr>
+        </p:nvSpPr>
+        <p:spPr/>
+      </p:sp>
+      <p:sp>
+        <p:nvSpPr>
+          <p:cNvPr id="3" name="Notes Placeholder 2">
+            <a:extLst>
+              <a:ext uri="{FF2B5EF4-FFF2-40B4-BE49-F238E27FC236}">
+                <a16:creationId xmlns:a16="http://schemas.microsoft.com/office/drawing/2014/main" id="{0C6D7B4F-264F-9D9F-E6B9-8F08772AD19A}"/>
+              </a:ext>
+            </a:extLst>
+          </p:cNvPr>
+          <p:cNvSpPr>
+            <a:spLocks noGrp="1"/>
+          </p:cNvSpPr>
+          <p:nvPr>
+            <p:ph type="body" idx="1"/>
+          </p:nvPr>
+        </p:nvSpPr>
+        <p:spPr/>
+        <p:txBody>
+          <a:bodyPr/>
+          <a:lstStyle/>
+          <a:p>
+            <a:endParaRPr lang="en-GB" dirty="0"/>
+          </a:p>
+        </p:txBody>
+      </p:sp>
+      <p:sp>
+        <p:nvSpPr>
+          <p:cNvPr id="4" name="Slide Number Placeholder 3">
+            <a:extLst>
+              <a:ext uri="{FF2B5EF4-FFF2-40B4-BE49-F238E27FC236}">
+                <a16:creationId xmlns:a16="http://schemas.microsoft.com/office/drawing/2014/main" id="{CDF70E13-F24D-27F9-951B-2DCEB5E8587B}"/>
+              </a:ext>
+            </a:extLst>
+          </p:cNvPr>
+          <p:cNvSpPr>
+            <a:spLocks noGrp="1"/>
+          </p:cNvSpPr>
+          <p:nvPr>
+            <p:ph type="sldNum" sz="quarter" idx="5"/>
+          </p:nvPr>
+        </p:nvSpPr>
+        <p:spPr/>
+        <p:txBody>
+          <a:bodyPr/>
+          <a:lstStyle/>
+          <a:p>
+            <a:fld id="{D3A1C942-3B43-48F4-BEB8-B8FEBCDA6264}" type="slidenum">
+              <a:rPr lang="es-ES" smtClean="0"/>
+              <a:t>4</a:t>
+            </a:fld>
+            <a:endParaRPr lang="es-ES"/>
+          </a:p>
+        </p:txBody>
+      </p:sp>
+    </p:spTree>
+    <p:extLst>
+      <p:ext uri="{BB962C8B-B14F-4D97-AF65-F5344CB8AC3E}">
+        <p14:creationId xmlns:p14="http://schemas.microsoft.com/office/powerpoint/2010/main" val="3296982206"/>
+      </p:ext>
+    </p:extLst>
+  </p:cSld>
+  <p:clrMapOvr>
+    <a:masterClrMapping/>
+  </p:clrMapOvr>
+</p:notes>
+</file>
+
+<file path=ppt/notesSlides/notesSlide5.xml><?xml version="1.0" encoding="utf-8"?>
+<p:notes xmlns:a="http://schemas.openxmlformats.org/drawingml/2006/main" xmlns:r="http://schemas.openxmlformats.org/officeDocument/2006/relationships" xmlns:p="http://schemas.openxmlformats.org/presentationml/2006/main">
+  <p:cSld>
+    <p:spTree>
+      <p:nvGrpSpPr>
+        <p:cNvPr id="1" name="">
+          <a:extLst>
+            <a:ext uri="{FF2B5EF4-FFF2-40B4-BE49-F238E27FC236}">
+              <a16:creationId xmlns:a16="http://schemas.microsoft.com/office/drawing/2014/main" id="{8B2F1B44-0C90-423D-F38B-925546A7AF2B}"/>
+            </a:ext>
+          </a:extLst>
+        </p:cNvPr>
+        <p:cNvGrpSpPr/>
+        <p:nvPr/>
+      </p:nvGrpSpPr>
+      <p:grpSpPr>
+        <a:xfrm>
+          <a:off x="0" y="0"/>
+          <a:ext cx="0" cy="0"/>
+          <a:chOff x="0" y="0"/>
+          <a:chExt cx="0" cy="0"/>
+        </a:xfrm>
+      </p:grpSpPr>
+      <p:sp>
+        <p:nvSpPr>
+          <p:cNvPr id="2" name="Slide Image Placeholder 1">
+            <a:extLst>
+              <a:ext uri="{FF2B5EF4-FFF2-40B4-BE49-F238E27FC236}">
+                <a16:creationId xmlns:a16="http://schemas.microsoft.com/office/drawing/2014/main" id="{6B61EA0D-337E-916B-341D-D7B5BF4FEF3B}"/>
+              </a:ext>
+            </a:extLst>
+          </p:cNvPr>
+          <p:cNvSpPr>
+            <a:spLocks noGrp="1" noRot="1" noChangeAspect="1"/>
+          </p:cNvSpPr>
+          <p:nvPr>
+            <p:ph type="sldImg"/>
+          </p:nvPr>
+        </p:nvSpPr>
+        <p:spPr/>
+      </p:sp>
+      <p:sp>
+        <p:nvSpPr>
+          <p:cNvPr id="3" name="Notes Placeholder 2">
+            <a:extLst>
+              <a:ext uri="{FF2B5EF4-FFF2-40B4-BE49-F238E27FC236}">
+                <a16:creationId xmlns:a16="http://schemas.microsoft.com/office/drawing/2014/main" id="{DD016FE8-BC7F-154C-6773-D2207A1ED91D}"/>
+              </a:ext>
+            </a:extLst>
+          </p:cNvPr>
+          <p:cNvSpPr>
+            <a:spLocks noGrp="1"/>
+          </p:cNvSpPr>
+          <p:nvPr>
+            <p:ph type="body" idx="1"/>
+          </p:nvPr>
+        </p:nvSpPr>
+        <p:spPr/>
+        <p:txBody>
+          <a:bodyPr/>
+          <a:lstStyle/>
+          <a:p>
+            <a:endParaRPr lang="en-GB" dirty="0"/>
+          </a:p>
+        </p:txBody>
+      </p:sp>
+      <p:sp>
+        <p:nvSpPr>
+          <p:cNvPr id="4" name="Slide Number Placeholder 3">
+            <a:extLst>
+              <a:ext uri="{FF2B5EF4-FFF2-40B4-BE49-F238E27FC236}">
+                <a16:creationId xmlns:a16="http://schemas.microsoft.com/office/drawing/2014/main" id="{74F65357-3AF3-318B-DF3B-ABD174366F44}"/>
+              </a:ext>
+            </a:extLst>
+          </p:cNvPr>
+          <p:cNvSpPr>
+            <a:spLocks noGrp="1"/>
+          </p:cNvSpPr>
+          <p:nvPr>
+            <p:ph type="sldNum" sz="quarter" idx="5"/>
+          </p:nvPr>
+        </p:nvSpPr>
+        <p:spPr/>
+        <p:txBody>
+          <a:bodyPr/>
+          <a:lstStyle/>
+          <a:p>
+            <a:fld id="{D3A1C942-3B43-48F4-BEB8-B8FEBCDA6264}" type="slidenum">
+              <a:rPr lang="es-ES" smtClean="0"/>
+              <a:t>5</a:t>
+            </a:fld>
+            <a:endParaRPr lang="es-ES"/>
+          </a:p>
+        </p:txBody>
+      </p:sp>
+    </p:spTree>
+    <p:extLst>
+      <p:ext uri="{BB962C8B-B14F-4D97-AF65-F5344CB8AC3E}">
+        <p14:creationId xmlns:p14="http://schemas.microsoft.com/office/powerpoint/2010/main" val="2984340365"/>
+      </p:ext>
+    </p:extLst>
+  </p:cSld>
+  <p:clrMapOvr>
+    <a:masterClrMapping/>
+  </p:clrMapOvr>
+</p:notes>
+</file>
+
+<file path=ppt/notesSlides/notesSlide6.xml><?xml version="1.0" encoding="utf-8"?>
+<p:notes xmlns:a="http://schemas.openxmlformats.org/drawingml/2006/main" xmlns:r="http://schemas.openxmlformats.org/officeDocument/2006/relationships" xmlns:p="http://schemas.openxmlformats.org/presentationml/2006/main">
+  <p:cSld>
+    <p:spTree>
+      <p:nvGrpSpPr>
+        <p:cNvPr id="1" name="">
+          <a:extLst>
+            <a:ext uri="{FF2B5EF4-FFF2-40B4-BE49-F238E27FC236}">
+              <a16:creationId xmlns:a16="http://schemas.microsoft.com/office/drawing/2014/main" id="{FCDDD738-F406-3266-EADB-3D3DDAB23517}"/>
+            </a:ext>
+          </a:extLst>
+        </p:cNvPr>
+        <p:cNvGrpSpPr/>
+        <p:nvPr/>
+      </p:nvGrpSpPr>
+      <p:grpSpPr>
+        <a:xfrm>
+          <a:off x="0" y="0"/>
+          <a:ext cx="0" cy="0"/>
+          <a:chOff x="0" y="0"/>
+          <a:chExt cx="0" cy="0"/>
+        </a:xfrm>
+      </p:grpSpPr>
+      <p:sp>
+        <p:nvSpPr>
+          <p:cNvPr id="2" name="Slide Image Placeholder 1">
+            <a:extLst>
+              <a:ext uri="{FF2B5EF4-FFF2-40B4-BE49-F238E27FC236}">
+                <a16:creationId xmlns:a16="http://schemas.microsoft.com/office/drawing/2014/main" id="{529BC45C-7815-CA7A-0608-21AF15C04FAA}"/>
+              </a:ext>
+            </a:extLst>
+          </p:cNvPr>
+          <p:cNvSpPr>
+            <a:spLocks noGrp="1" noRot="1" noChangeAspect="1"/>
+          </p:cNvSpPr>
+          <p:nvPr>
+            <p:ph type="sldImg"/>
+          </p:nvPr>
+        </p:nvSpPr>
+        <p:spPr/>
+      </p:sp>
+      <p:sp>
+        <p:nvSpPr>
+          <p:cNvPr id="3" name="Notes Placeholder 2">
+            <a:extLst>
+              <a:ext uri="{FF2B5EF4-FFF2-40B4-BE49-F238E27FC236}">
+                <a16:creationId xmlns:a16="http://schemas.microsoft.com/office/drawing/2014/main" id="{ED170CCA-B389-C8A4-0151-C3903F43F567}"/>
+              </a:ext>
+            </a:extLst>
+          </p:cNvPr>
+          <p:cNvSpPr>
+            <a:spLocks noGrp="1"/>
+          </p:cNvSpPr>
+          <p:nvPr>
+            <p:ph type="body" idx="1"/>
+          </p:nvPr>
+        </p:nvSpPr>
+        <p:spPr/>
+        <p:txBody>
+          <a:bodyPr/>
+          <a:lstStyle/>
+          <a:p>
+            <a:endParaRPr lang="en-GB" dirty="0"/>
+          </a:p>
+        </p:txBody>
+      </p:sp>
+      <p:sp>
+        <p:nvSpPr>
+          <p:cNvPr id="4" name="Slide Number Placeholder 3">
+            <a:extLst>
+              <a:ext uri="{FF2B5EF4-FFF2-40B4-BE49-F238E27FC236}">
+                <a16:creationId xmlns:a16="http://schemas.microsoft.com/office/drawing/2014/main" id="{ED061210-8FA6-B994-3340-AB11FB4DDA6B}"/>
+              </a:ext>
+            </a:extLst>
+          </p:cNvPr>
+          <p:cNvSpPr>
+            <a:spLocks noGrp="1"/>
+          </p:cNvSpPr>
+          <p:nvPr>
+            <p:ph type="sldNum" sz="quarter" idx="5"/>
+          </p:nvPr>
+        </p:nvSpPr>
+        <p:spPr/>
+        <p:txBody>
+          <a:bodyPr/>
+          <a:lstStyle/>
+          <a:p>
+            <a:fld id="{D3A1C942-3B43-48F4-BEB8-B8FEBCDA6264}" type="slidenum">
+              <a:rPr lang="es-ES" smtClean="0"/>
+              <a:t>6</a:t>
+            </a:fld>
+            <a:endParaRPr lang="es-ES"/>
+          </a:p>
+        </p:txBody>
+      </p:sp>
+    </p:spTree>
+    <p:extLst>
+      <p:ext uri="{BB962C8B-B14F-4D97-AF65-F5344CB8AC3E}">
+        <p14:creationId xmlns:p14="http://schemas.microsoft.com/office/powerpoint/2010/main" val="2451188185"/>
+      </p:ext>
+    </p:extLst>
+  </p:cSld>
+  <p:clrMapOvr>
+    <a:masterClrMapping/>
+  </p:clrMapOvr>
+</p:notes>
+</file>
+
 <file path=ppt/slideLayouts/slideLayout1.xml><?xml version="1.0" encoding="utf-8"?>
 <p:sldLayout xmlns:a="http://schemas.openxmlformats.org/drawingml/2006/main" xmlns:r="http://schemas.openxmlformats.org/officeDocument/2006/relationships" xmlns:p="http://schemas.openxmlformats.org/presentationml/2006/main" type="title" preserve="1">
   <p:cSld name="Title Slide">
@@ -921,7 +1248,7 @@
               <a:pPr>
                 <a:defRPr/>
               </a:pPr>
-              <a:t>28/02/2025</a:t>
+              <a:t>10/03/2025</a:t>
             </a:fld>
             <a:endParaRPr lang="es-ES"/>
           </a:p>
@@ -1136,7 +1463,7 @@
               <a:pPr>
                 <a:defRPr/>
               </a:pPr>
-              <a:t>28/02/2025</a:t>
+              <a:t>10/03/2025</a:t>
             </a:fld>
             <a:endParaRPr lang="es-ES"/>
           </a:p>
@@ -1361,7 +1688,7 @@
               <a:pPr>
                 <a:defRPr/>
               </a:pPr>
-              <a:t>28/02/2025</a:t>
+              <a:t>10/03/2025</a:t>
             </a:fld>
             <a:endParaRPr lang="es-ES"/>
           </a:p>
@@ -1576,7 +1903,7 @@
               <a:pPr>
                 <a:defRPr/>
               </a:pPr>
-              <a:t>28/02/2025</a:t>
+              <a:t>10/03/2025</a:t>
             </a:fld>
             <a:endParaRPr lang="es-ES"/>
           </a:p>
@@ -1867,7 +2194,7 @@
               <a:pPr>
                 <a:defRPr/>
               </a:pPr>
-              <a:t>28/02/2025</a:t>
+              <a:t>10/03/2025</a:t>
             </a:fld>
             <a:endParaRPr lang="es-ES"/>
           </a:p>
@@ -2150,7 +2477,7 @@
               <a:pPr>
                 <a:defRPr/>
               </a:pPr>
-              <a:t>28/02/2025</a:t>
+              <a:t>10/03/2025</a:t>
             </a:fld>
             <a:endParaRPr lang="es-ES"/>
           </a:p>
@@ -2580,7 +2907,7 @@
               <a:pPr>
                 <a:defRPr/>
               </a:pPr>
-              <a:t>28/02/2025</a:t>
+              <a:t>10/03/2025</a:t>
             </a:fld>
             <a:endParaRPr lang="es-ES"/>
           </a:p>
@@ -2737,7 +3064,7 @@
               <a:pPr>
                 <a:defRPr/>
               </a:pPr>
-              <a:t>2/28/2025</a:t>
+              <a:t>3/10/2025</a:t>
             </a:fld>
             <a:endParaRPr lang="en-US"/>
           </a:p>
@@ -2865,7 +3192,7 @@
               <a:pPr>
                 <a:defRPr/>
               </a:pPr>
-              <a:t>28/02/2025</a:t>
+              <a:t>10/03/2025</a:t>
             </a:fld>
             <a:endParaRPr lang="es-ES"/>
           </a:p>
@@ -3193,7 +3520,7 @@
               <a:pPr>
                 <a:defRPr/>
               </a:pPr>
-              <a:t>28/02/2025</a:t>
+              <a:t>10/03/2025</a:t>
             </a:fld>
             <a:endParaRPr lang="es-ES"/>
           </a:p>
@@ -3497,7 +3824,7 @@
               <a:pPr>
                 <a:defRPr/>
               </a:pPr>
-              <a:t>28/02/2025</a:t>
+              <a:t>10/03/2025</a:t>
             </a:fld>
             <a:endParaRPr lang="es-ES"/>
           </a:p>
@@ -3755,7 +4082,7 @@
               <a:pPr>
                 <a:defRPr/>
               </a:pPr>
-              <a:t>28/02/2025</a:t>
+              <a:t>10/03/2025</a:t>
             </a:fld>
             <a:endParaRPr lang="es-ES"/>
           </a:p>
@@ -5602,7 +5929,7 @@
             </a:pPr>
             <a:r>
               <a:rPr lang="es-ES" dirty="0"/>
-              <a:t>Disponibilidad de pequeños ahorros</a:t>
+              <a:t>Disponibilidad de algunos ahorros</a:t>
             </a:r>
           </a:p>
           <a:p>
@@ -5786,7 +6113,7 @@
         <p:spPr>
           <a:xfrm>
             <a:off x="2104053" y="1284905"/>
-            <a:ext cx="4763278" cy="1754326"/>
+            <a:ext cx="4763278" cy="1477328"/>
           </a:xfrm>
           <a:prstGeom prst="rect">
             <a:avLst/>
@@ -5815,7 +6142,7 @@
             </a:pPr>
             <a:r>
               <a:rPr lang="es-ES" dirty="0"/>
-              <a:t>Idea de negocio poco común, menores probabilidades de éxito</a:t>
+              <a:t>Idea de negocio poco común, mayor riesgo</a:t>
             </a:r>
           </a:p>
           <a:p>
@@ -6243,6 +6570,204 @@
     <p:extLst>
       <p:ext uri="{BB962C8B-B14F-4D97-AF65-F5344CB8AC3E}">
         <p14:creationId xmlns:p14="http://schemas.microsoft.com/office/powerpoint/2010/main" val="849906005"/>
+      </p:ext>
+    </p:extLst>
+  </p:cSld>
+  <p:clrMapOvr>
+    <a:masterClrMapping/>
+  </p:clrMapOvr>
+</p:sld>
+</file>
+
+<file path=ppt/slides/slide4.xml><?xml version="1.0" encoding="utf-8"?>
+<p:sld xmlns:a="http://schemas.openxmlformats.org/drawingml/2006/main" xmlns:r="http://schemas.openxmlformats.org/officeDocument/2006/relationships" xmlns:p="http://schemas.openxmlformats.org/presentationml/2006/main">
+  <p:cSld>
+    <p:spTree>
+      <p:nvGrpSpPr>
+        <p:cNvPr id="1" name="">
+          <a:extLst>
+            <a:ext uri="{FF2B5EF4-FFF2-40B4-BE49-F238E27FC236}">
+              <a16:creationId xmlns:a16="http://schemas.microsoft.com/office/drawing/2014/main" id="{F3B80736-8157-5DAC-3ED4-4E01148E1902}"/>
+            </a:ext>
+          </a:extLst>
+        </p:cNvPr>
+        <p:cNvGrpSpPr/>
+        <p:nvPr/>
+      </p:nvGrpSpPr>
+      <p:grpSpPr>
+        <a:xfrm>
+          <a:off x="0" y="0"/>
+          <a:ext cx="0" cy="0"/>
+          <a:chOff x="0" y="0"/>
+          <a:chExt cx="0" cy="0"/>
+        </a:xfrm>
+      </p:grpSpPr>
+      <p:pic>
+        <p:nvPicPr>
+          <p:cNvPr id="8" name="Picture 7">
+            <a:extLst>
+              <a:ext uri="{FF2B5EF4-FFF2-40B4-BE49-F238E27FC236}">
+                <a16:creationId xmlns:a16="http://schemas.microsoft.com/office/drawing/2014/main" id="{1E686689-7DF1-F7F1-7465-5EE479AFE1CC}"/>
+              </a:ext>
+            </a:extLst>
+          </p:cNvPr>
+          <p:cNvPicPr>
+            <a:picLocks noGrp="1" noRot="1" noChangeAspect="1" noMove="1" noResize="1" noEditPoints="1" noAdjustHandles="1" noChangeArrowheads="1" noChangeShapeType="1" noCrop="1"/>
+          </p:cNvPicPr>
+          <p:nvPr/>
+        </p:nvPicPr>
+        <p:blipFill>
+          <a:blip r:embed="rId3"/>
+          <a:stretch>
+            <a:fillRect/>
+          </a:stretch>
+        </p:blipFill>
+        <p:spPr>
+          <a:xfrm>
+            <a:off x="1347555" y="0"/>
+            <a:ext cx="9496890" cy="6858000"/>
+          </a:xfrm>
+          <a:prstGeom prst="rect">
+            <a:avLst/>
+          </a:prstGeom>
+        </p:spPr>
+      </p:pic>
+    </p:spTree>
+    <p:extLst>
+      <p:ext uri="{BB962C8B-B14F-4D97-AF65-F5344CB8AC3E}">
+        <p14:creationId xmlns:p14="http://schemas.microsoft.com/office/powerpoint/2010/main" val="3679733132"/>
+      </p:ext>
+    </p:extLst>
+  </p:cSld>
+  <p:clrMapOvr>
+    <a:masterClrMapping/>
+  </p:clrMapOvr>
+</p:sld>
+</file>
+
+<file path=ppt/slides/slide5.xml><?xml version="1.0" encoding="utf-8"?>
+<p:sld xmlns:a="http://schemas.openxmlformats.org/drawingml/2006/main" xmlns:r="http://schemas.openxmlformats.org/officeDocument/2006/relationships" xmlns:p="http://schemas.openxmlformats.org/presentationml/2006/main">
+  <p:cSld>
+    <p:spTree>
+      <p:nvGrpSpPr>
+        <p:cNvPr id="1" name="">
+          <a:extLst>
+            <a:ext uri="{FF2B5EF4-FFF2-40B4-BE49-F238E27FC236}">
+              <a16:creationId xmlns:a16="http://schemas.microsoft.com/office/drawing/2014/main" id="{13061A15-C2BE-3D59-938C-1807107C94FD}"/>
+            </a:ext>
+          </a:extLst>
+        </p:cNvPr>
+        <p:cNvGrpSpPr/>
+        <p:nvPr/>
+      </p:nvGrpSpPr>
+      <p:grpSpPr>
+        <a:xfrm>
+          <a:off x="0" y="0"/>
+          <a:ext cx="0" cy="0"/>
+          <a:chOff x="0" y="0"/>
+          <a:chExt cx="0" cy="0"/>
+        </a:xfrm>
+      </p:grpSpPr>
+      <p:pic>
+        <p:nvPicPr>
+          <p:cNvPr id="3" name="Picture 2">
+            <a:extLst>
+              <a:ext uri="{FF2B5EF4-FFF2-40B4-BE49-F238E27FC236}">
+                <a16:creationId xmlns:a16="http://schemas.microsoft.com/office/drawing/2014/main" id="{1AC1BF4C-9F24-2A84-3019-ACCA01CBE961}"/>
+              </a:ext>
+            </a:extLst>
+          </p:cNvPr>
+          <p:cNvPicPr>
+            <a:picLocks noGrp="1" noRot="1" noChangeAspect="1" noMove="1" noResize="1" noEditPoints="1" noAdjustHandles="1" noChangeArrowheads="1" noChangeShapeType="1" noCrop="1"/>
+          </p:cNvPicPr>
+          <p:nvPr/>
+        </p:nvPicPr>
+        <p:blipFill>
+          <a:blip r:embed="rId3"/>
+          <a:stretch>
+            <a:fillRect/>
+          </a:stretch>
+        </p:blipFill>
+        <p:spPr>
+          <a:xfrm>
+            <a:off x="1352614" y="0"/>
+            <a:ext cx="9486771" cy="6858000"/>
+          </a:xfrm>
+          <a:prstGeom prst="rect">
+            <a:avLst/>
+          </a:prstGeom>
+        </p:spPr>
+      </p:pic>
+    </p:spTree>
+    <p:extLst>
+      <p:ext uri="{BB962C8B-B14F-4D97-AF65-F5344CB8AC3E}">
+        <p14:creationId xmlns:p14="http://schemas.microsoft.com/office/powerpoint/2010/main" val="2314756102"/>
+      </p:ext>
+    </p:extLst>
+  </p:cSld>
+  <p:clrMapOvr>
+    <a:masterClrMapping/>
+  </p:clrMapOvr>
+</p:sld>
+</file>
+
+<file path=ppt/slides/slide6.xml><?xml version="1.0" encoding="utf-8"?>
+<p:sld xmlns:a="http://schemas.openxmlformats.org/drawingml/2006/main" xmlns:r="http://schemas.openxmlformats.org/officeDocument/2006/relationships" xmlns:p="http://schemas.openxmlformats.org/presentationml/2006/main">
+  <p:cSld>
+    <p:spTree>
+      <p:nvGrpSpPr>
+        <p:cNvPr id="1" name="">
+          <a:extLst>
+            <a:ext uri="{FF2B5EF4-FFF2-40B4-BE49-F238E27FC236}">
+              <a16:creationId xmlns:a16="http://schemas.microsoft.com/office/drawing/2014/main" id="{77D087BF-5385-6DDA-5648-9E7641A346F8}"/>
+            </a:ext>
+          </a:extLst>
+        </p:cNvPr>
+        <p:cNvGrpSpPr/>
+        <p:nvPr/>
+      </p:nvGrpSpPr>
+      <p:grpSpPr>
+        <a:xfrm>
+          <a:off x="0" y="0"/>
+          <a:ext cx="0" cy="0"/>
+          <a:chOff x="0" y="0"/>
+          <a:chExt cx="0" cy="0"/>
+        </a:xfrm>
+      </p:grpSpPr>
+      <p:pic>
+        <p:nvPicPr>
+          <p:cNvPr id="3" name="Picture 2">
+            <a:extLst>
+              <a:ext uri="{FF2B5EF4-FFF2-40B4-BE49-F238E27FC236}">
+                <a16:creationId xmlns:a16="http://schemas.microsoft.com/office/drawing/2014/main" id="{BDD3BCB5-0452-7735-4274-E02E31107A80}"/>
+              </a:ext>
+            </a:extLst>
+          </p:cNvPr>
+          <p:cNvPicPr>
+            <a:picLocks noGrp="1" noRot="1" noChangeAspect="1" noMove="1" noResize="1" noEditPoints="1" noAdjustHandles="1" noChangeArrowheads="1" noChangeShapeType="1" noCrop="1"/>
+          </p:cNvPicPr>
+          <p:nvPr/>
+        </p:nvPicPr>
+        <p:blipFill>
+          <a:blip r:embed="rId3"/>
+          <a:stretch>
+            <a:fillRect/>
+          </a:stretch>
+        </p:blipFill>
+        <p:spPr>
+          <a:xfrm>
+            <a:off x="1321987" y="0"/>
+            <a:ext cx="9548025" cy="6858000"/>
+          </a:xfrm>
+          <a:prstGeom prst="rect">
+            <a:avLst/>
+          </a:prstGeom>
+        </p:spPr>
+      </p:pic>
+    </p:spTree>
+    <p:extLst>
+      <p:ext uri="{BB962C8B-B14F-4D97-AF65-F5344CB8AC3E}">
+        <p14:creationId xmlns:p14="http://schemas.microsoft.com/office/powerpoint/2010/main" val="4020904531"/>
       </p:ext>
     </p:extLst>
   </p:cSld>

--- a/explorer/mentoring/business_model_canvas_spanish.pptx
+++ b/explorer/mentoring/business_model_canvas_spanish.pptx
@@ -5,7 +5,7 @@
     <p:sldMasterId id="2147483681" r:id="rId4"/>
   </p:sldMasterIdLst>
   <p:notesMasterIdLst>
-    <p:notesMasterId r:id="rId11"/>
+    <p:notesMasterId r:id="rId12"/>
   </p:notesMasterIdLst>
   <p:sldIdLst>
     <p:sldId id="480" r:id="rId5"/>
@@ -13,7 +13,8 @@
     <p:sldId id="482" r:id="rId7"/>
     <p:sldId id="483" r:id="rId8"/>
     <p:sldId id="484" r:id="rId9"/>
-    <p:sldId id="485" r:id="rId10"/>
+    <p:sldId id="486" r:id="rId10"/>
+    <p:sldId id="485" r:id="rId11"/>
   </p:sldIdLst>
   <p:sldSz cx="12192000" cy="6858000"/>
   <p:notesSz cx="6858000" cy="9144000"/>
@@ -202,7 +203,7 @@
           <a:p>
             <a:fld id="{C8FFD48F-8719-40F2-B0CF-2A5A63C0F0B9}" type="datetimeFigureOut">
               <a:rPr lang="es-ES" smtClean="0"/>
-              <a:t>10/03/2025</a:t>
+              <a:t>31/03/2025</a:t>
             </a:fld>
             <a:endParaRPr lang="es-ES"/>
           </a:p>
@@ -993,6 +994,114 @@
         <p:cNvPr id="1" name="">
           <a:extLst>
             <a:ext uri="{FF2B5EF4-FFF2-40B4-BE49-F238E27FC236}">
+              <a16:creationId xmlns:a16="http://schemas.microsoft.com/office/drawing/2014/main" id="{D245784C-FAFE-3D9B-E9A3-10A0F0C604CE}"/>
+            </a:ext>
+          </a:extLst>
+        </p:cNvPr>
+        <p:cNvGrpSpPr/>
+        <p:nvPr/>
+      </p:nvGrpSpPr>
+      <p:grpSpPr>
+        <a:xfrm>
+          <a:off x="0" y="0"/>
+          <a:ext cx="0" cy="0"/>
+          <a:chOff x="0" y="0"/>
+          <a:chExt cx="0" cy="0"/>
+        </a:xfrm>
+      </p:grpSpPr>
+      <p:sp>
+        <p:nvSpPr>
+          <p:cNvPr id="2" name="Slide Image Placeholder 1">
+            <a:extLst>
+              <a:ext uri="{FF2B5EF4-FFF2-40B4-BE49-F238E27FC236}">
+                <a16:creationId xmlns:a16="http://schemas.microsoft.com/office/drawing/2014/main" id="{07E91D03-7273-5548-AC5C-1AA76DB7BB53}"/>
+              </a:ext>
+            </a:extLst>
+          </p:cNvPr>
+          <p:cNvSpPr>
+            <a:spLocks noGrp="1" noRot="1" noChangeAspect="1"/>
+          </p:cNvSpPr>
+          <p:nvPr>
+            <p:ph type="sldImg"/>
+          </p:nvPr>
+        </p:nvSpPr>
+        <p:spPr/>
+      </p:sp>
+      <p:sp>
+        <p:nvSpPr>
+          <p:cNvPr id="3" name="Notes Placeholder 2">
+            <a:extLst>
+              <a:ext uri="{FF2B5EF4-FFF2-40B4-BE49-F238E27FC236}">
+                <a16:creationId xmlns:a16="http://schemas.microsoft.com/office/drawing/2014/main" id="{48C18F3A-3DF4-E599-BBDE-916199E95AEE}"/>
+              </a:ext>
+            </a:extLst>
+          </p:cNvPr>
+          <p:cNvSpPr>
+            <a:spLocks noGrp="1"/>
+          </p:cNvSpPr>
+          <p:nvPr>
+            <p:ph type="body" idx="1"/>
+          </p:nvPr>
+        </p:nvSpPr>
+        <p:spPr/>
+        <p:txBody>
+          <a:bodyPr/>
+          <a:lstStyle/>
+          <a:p>
+            <a:endParaRPr lang="en-GB" dirty="0"/>
+          </a:p>
+        </p:txBody>
+      </p:sp>
+      <p:sp>
+        <p:nvSpPr>
+          <p:cNvPr id="4" name="Slide Number Placeholder 3">
+            <a:extLst>
+              <a:ext uri="{FF2B5EF4-FFF2-40B4-BE49-F238E27FC236}">
+                <a16:creationId xmlns:a16="http://schemas.microsoft.com/office/drawing/2014/main" id="{D76D4D30-A9DA-B308-B023-D82035577015}"/>
+              </a:ext>
+            </a:extLst>
+          </p:cNvPr>
+          <p:cNvSpPr>
+            <a:spLocks noGrp="1"/>
+          </p:cNvSpPr>
+          <p:nvPr>
+            <p:ph type="sldNum" sz="quarter" idx="5"/>
+          </p:nvPr>
+        </p:nvSpPr>
+        <p:spPr/>
+        <p:txBody>
+          <a:bodyPr/>
+          <a:lstStyle/>
+          <a:p>
+            <a:fld id="{D3A1C942-3B43-48F4-BEB8-B8FEBCDA6264}" type="slidenum">
+              <a:rPr lang="es-ES" smtClean="0"/>
+              <a:t>6</a:t>
+            </a:fld>
+            <a:endParaRPr lang="es-ES"/>
+          </a:p>
+        </p:txBody>
+      </p:sp>
+    </p:spTree>
+    <p:extLst>
+      <p:ext uri="{BB962C8B-B14F-4D97-AF65-F5344CB8AC3E}">
+        <p14:creationId xmlns:p14="http://schemas.microsoft.com/office/powerpoint/2010/main" val="3739727615"/>
+      </p:ext>
+    </p:extLst>
+  </p:cSld>
+  <p:clrMapOvr>
+    <a:masterClrMapping/>
+  </p:clrMapOvr>
+</p:notes>
+</file>
+
+<file path=ppt/notesSlides/notesSlide7.xml><?xml version="1.0" encoding="utf-8"?>
+<p:notes xmlns:a="http://schemas.openxmlformats.org/drawingml/2006/main" xmlns:r="http://schemas.openxmlformats.org/officeDocument/2006/relationships" xmlns:p="http://schemas.openxmlformats.org/presentationml/2006/main">
+  <p:cSld>
+    <p:spTree>
+      <p:nvGrpSpPr>
+        <p:cNvPr id="1" name="">
+          <a:extLst>
+            <a:ext uri="{FF2B5EF4-FFF2-40B4-BE49-F238E27FC236}">
               <a16:creationId xmlns:a16="http://schemas.microsoft.com/office/drawing/2014/main" id="{FCDDD738-F406-3266-EADB-3D3DDAB23517}"/>
             </a:ext>
           </a:extLst>
@@ -1074,7 +1183,7 @@
           <a:p>
             <a:fld id="{D3A1C942-3B43-48F4-BEB8-B8FEBCDA6264}" type="slidenum">
               <a:rPr lang="es-ES" smtClean="0"/>
-              <a:t>6</a:t>
+              <a:t>7</a:t>
             </a:fld>
             <a:endParaRPr lang="es-ES"/>
           </a:p>
@@ -1248,7 +1357,7 @@
               <a:pPr>
                 <a:defRPr/>
               </a:pPr>
-              <a:t>10/03/2025</a:t>
+              <a:t>31/03/2025</a:t>
             </a:fld>
             <a:endParaRPr lang="es-ES"/>
           </a:p>
@@ -1463,7 +1572,7 @@
               <a:pPr>
                 <a:defRPr/>
               </a:pPr>
-              <a:t>10/03/2025</a:t>
+              <a:t>31/03/2025</a:t>
             </a:fld>
             <a:endParaRPr lang="es-ES"/>
           </a:p>
@@ -1688,7 +1797,7 @@
               <a:pPr>
                 <a:defRPr/>
               </a:pPr>
-              <a:t>10/03/2025</a:t>
+              <a:t>31/03/2025</a:t>
             </a:fld>
             <a:endParaRPr lang="es-ES"/>
           </a:p>
@@ -1903,7 +2012,7 @@
               <a:pPr>
                 <a:defRPr/>
               </a:pPr>
-              <a:t>10/03/2025</a:t>
+              <a:t>31/03/2025</a:t>
             </a:fld>
             <a:endParaRPr lang="es-ES"/>
           </a:p>
@@ -2194,7 +2303,7 @@
               <a:pPr>
                 <a:defRPr/>
               </a:pPr>
-              <a:t>10/03/2025</a:t>
+              <a:t>31/03/2025</a:t>
             </a:fld>
             <a:endParaRPr lang="es-ES"/>
           </a:p>
@@ -2477,7 +2586,7 @@
               <a:pPr>
                 <a:defRPr/>
               </a:pPr>
-              <a:t>10/03/2025</a:t>
+              <a:t>31/03/2025</a:t>
             </a:fld>
             <a:endParaRPr lang="es-ES"/>
           </a:p>
@@ -2907,7 +3016,7 @@
               <a:pPr>
                 <a:defRPr/>
               </a:pPr>
-              <a:t>10/03/2025</a:t>
+              <a:t>31/03/2025</a:t>
             </a:fld>
             <a:endParaRPr lang="es-ES"/>
           </a:p>
@@ -3064,7 +3173,7 @@
               <a:pPr>
                 <a:defRPr/>
               </a:pPr>
-              <a:t>3/10/2025</a:t>
+              <a:t>3/31/2025</a:t>
             </a:fld>
             <a:endParaRPr lang="en-US"/>
           </a:p>
@@ -3192,7 +3301,7 @@
               <a:pPr>
                 <a:defRPr/>
               </a:pPr>
-              <a:t>10/03/2025</a:t>
+              <a:t>31/03/2025</a:t>
             </a:fld>
             <a:endParaRPr lang="es-ES"/>
           </a:p>
@@ -3520,7 +3629,7 @@
               <a:pPr>
                 <a:defRPr/>
               </a:pPr>
-              <a:t>10/03/2025</a:t>
+              <a:t>31/03/2025</a:t>
             </a:fld>
             <a:endParaRPr lang="es-ES"/>
           </a:p>
@@ -3824,7 +3933,7 @@
               <a:pPr>
                 <a:defRPr/>
               </a:pPr>
-              <a:t>10/03/2025</a:t>
+              <a:t>31/03/2025</a:t>
             </a:fld>
             <a:endParaRPr lang="es-ES"/>
           </a:p>
@@ -4082,7 +4191,7 @@
               <a:pPr>
                 <a:defRPr/>
               </a:pPr>
-              <a:t>10/03/2025</a:t>
+              <a:t>31/03/2025</a:t>
             </a:fld>
             <a:endParaRPr lang="es-ES"/>
           </a:p>
@@ -4678,7 +4787,7 @@
         <p:spPr>
           <a:xfrm>
             <a:off x="9629192" y="755781"/>
-            <a:ext cx="2313990" cy="3477875"/>
+            <a:ext cx="2313990" cy="2292935"/>
           </a:xfrm>
           <a:prstGeom prst="rect">
             <a:avLst/>
@@ -4697,7 +4806,7 @@
             </a:pPr>
             <a:r>
               <a:rPr lang="es-ES" sz="1100" dirty="0"/>
-              <a:t>Hombres de 30 a 44 años, aficionados a la tecnología.</a:t>
+              <a:t>Hombres de 18 a 44 años, aficionados a la tecnología.</a:t>
             </a:r>
           </a:p>
           <a:p>
@@ -4707,7 +4816,7 @@
             </a:pPr>
             <a:r>
               <a:rPr lang="es-ES" sz="1100" dirty="0"/>
-              <a:t>INCLUIR 18-29</a:t>
+              <a:t>Sin carnet de conducir</a:t>
             </a:r>
           </a:p>
           <a:p>
@@ -4717,7 +4826,7 @@
             </a:pPr>
             <a:r>
               <a:rPr lang="es-ES" sz="1100" dirty="0"/>
-              <a:t>Usuarios que buscan un medio de transporte personal pero los patinetes no cumplen sus requisitos (ir por campo, cabe en maletero)</a:t>
+              <a:t>Buscan transporte lo más rápido posible en ciudad (&gt; que t. público y coche)</a:t>
             </a:r>
           </a:p>
           <a:p>
@@ -4725,10 +4834,6 @@
               <a:buFont typeface="Arial" panose="020B0604020202020204" pitchFamily="34" charset="0"/>
               <a:buChar char="•"/>
             </a:pPr>
-            <a:r>
-              <a:rPr lang="es-ES" sz="1100" dirty="0"/>
-              <a:t>¿</a:t>
-            </a:r>
             <a:r>
               <a:rPr lang="es-ES" sz="1100" dirty="0" err="1"/>
               <a:t>Early</a:t>
@@ -4743,7 +4848,7 @@
             </a:r>
             <a:r>
               <a:rPr lang="es-ES" sz="1100" dirty="0"/>
-              <a:t> son personas que van a comprar su primer monociclo, o ya tienen uno? AQUEL AL QUE ES MÁS FÁCIL CONVENCER O EXPLICAR</a:t>
+              <a:t> probablemente  personas  que ya tienen uno. (Validar)</a:t>
             </a:r>
           </a:p>
           <a:p>
@@ -4753,25 +4858,32 @@
             </a:pPr>
             <a:r>
               <a:rPr lang="es-ES" sz="1100" dirty="0"/>
-              <a:t>Geográficamente ?</a:t>
-            </a:r>
-          </a:p>
-          <a:p>
-            <a:pPr marL="628650" lvl="1" indent="-171450">
-              <a:buFont typeface="Arial" panose="020B0604020202020204" pitchFamily="34" charset="0"/>
-              <a:buChar char="•"/>
-            </a:pPr>
+              <a:t>Geográficamente, </a:t>
+            </a:r>
+            <a:r>
+              <a:rPr lang="es-ES" sz="1100" b="1" dirty="0"/>
+              <a:t>por ahora cerca </a:t>
+            </a:r>
             <a:r>
               <a:rPr lang="es-ES" sz="1100" dirty="0"/>
-              <a:t>INICIALMENTE CERCA, GARANTÍA, ASISTENCIA TÉCNICA. Internet en futuro.</a:t>
-            </a:r>
-          </a:p>
-          <a:p>
-            <a:pPr marL="171450" indent="-171450">
-              <a:buFont typeface="Arial" panose="020B0604020202020204" pitchFamily="34" charset="0"/>
-              <a:buChar char="•"/>
-            </a:pPr>
-            <a:endParaRPr lang="es-ES" sz="1100" dirty="0"/>
+              <a:t>(dar servicio, asistencia </a:t>
+            </a:r>
+            <a:r>
+              <a:rPr lang="es-ES" sz="1100" dirty="0" err="1"/>
+              <a:t>etc</a:t>
+            </a:r>
+            <a:r>
+              <a:rPr lang="es-ES" sz="1100" dirty="0"/>
+              <a:t>) (Baby </a:t>
+            </a:r>
+            <a:r>
+              <a:rPr lang="es-ES" sz="1100" dirty="0" err="1"/>
+              <a:t>Diseases</a:t>
+            </a:r>
+            <a:r>
+              <a:rPr lang="es-ES" sz="1100" dirty="0"/>
+              <a:t>)</a:t>
+            </a:r>
           </a:p>
           <a:p>
             <a:pPr marL="171450" indent="-171450">
@@ -4796,8 +4908,8 @@
         </p:nvSpPr>
         <p:spPr>
           <a:xfrm>
-            <a:off x="2654559" y="3125661"/>
-            <a:ext cx="2313991" cy="1615827"/>
+            <a:off x="2640560" y="2982537"/>
+            <a:ext cx="2313991" cy="1954381"/>
           </a:xfrm>
           <a:prstGeom prst="rect">
             <a:avLst/>
@@ -4849,6 +4961,16 @@
               <a:t>En el futuro: Comunidad que desarrolle por su cuenta en base a los diseños abiertos</a:t>
             </a:r>
           </a:p>
+          <a:p>
+            <a:pPr marL="171450" indent="-171450">
+              <a:buFont typeface="Arial" panose="020B0604020202020204" pitchFamily="34" charset="0"/>
+              <a:buChar char="•"/>
+            </a:pPr>
+            <a:r>
+              <a:rPr lang="es-ES" sz="1100" dirty="0"/>
+              <a:t>Futuro: stock, recursos para entrega en plazo corto</a:t>
+            </a:r>
+          </a:p>
         </p:txBody>
       </p:sp>
       <p:sp>
@@ -4866,7 +4988,7 @@
         <p:spPr>
           <a:xfrm>
             <a:off x="7315200" y="2994856"/>
-            <a:ext cx="2313990" cy="1954381"/>
+            <a:ext cx="2313990" cy="2123658"/>
           </a:xfrm>
           <a:prstGeom prst="rect">
             <a:avLst/>
@@ -4885,7 +5007,7 @@
             </a:pPr>
             <a:r>
               <a:rPr lang="es-ES" sz="1100" dirty="0"/>
-              <a:t>Contenido en YouTube sobre el desarrollo, recortes a resto de redes sociales.</a:t>
+              <a:t>Comunicación: contenido en YouTube sobre el desarrollo, recortes a resto de redes sociales.</a:t>
             </a:r>
           </a:p>
           <a:p>
@@ -5048,7 +5170,7 @@
         <p:spPr>
           <a:xfrm>
             <a:off x="326572" y="624976"/>
-            <a:ext cx="2313989" cy="4154984"/>
+            <a:ext cx="2313989" cy="4493538"/>
           </a:xfrm>
           <a:prstGeom prst="rect">
             <a:avLst/>
@@ -5107,6 +5229,29 @@
               <a:rPr lang="es-ES" sz="1100" dirty="0"/>
               <a:t>Comunidades quedadas de monociclos, posibles clientes</a:t>
             </a:r>
+          </a:p>
+          <a:p>
+            <a:pPr marL="171450" indent="-171450">
+              <a:buFont typeface="Arial" panose="020B0604020202020204" pitchFamily="34" charset="0"/>
+              <a:buChar char="•"/>
+            </a:pPr>
+            <a:r>
+              <a:rPr lang="es-ES" sz="1100" dirty="0"/>
+              <a:t>Grupo </a:t>
+            </a:r>
+            <a:r>
+              <a:rPr lang="es-ES" sz="1100" dirty="0" err="1"/>
+              <a:t>Builders</a:t>
+            </a:r>
+            <a:r>
+              <a:rPr lang="es-ES" sz="1100" dirty="0"/>
+              <a:t> </a:t>
+            </a:r>
+            <a:r>
+              <a:rPr lang="es-ES" sz="1100" dirty="0" err="1"/>
+              <a:t>Telegram</a:t>
+            </a:r>
+            <a:endParaRPr lang="es-ES" sz="1100" dirty="0"/>
           </a:p>
           <a:p>
             <a:pPr marL="171450" indent="-171450">
@@ -5328,8 +5473,8 @@
         </p:nvSpPr>
         <p:spPr>
           <a:xfrm>
-            <a:off x="6176865" y="5376944"/>
-            <a:ext cx="4851919" cy="1277273"/>
+            <a:off x="6158204" y="5320297"/>
+            <a:ext cx="5689667" cy="1446550"/>
           </a:xfrm>
           <a:prstGeom prst="rect">
             <a:avLst/>
@@ -5347,8 +5492,12 @@
               <a:buChar char="•"/>
             </a:pPr>
             <a:r>
+              <a:rPr lang="es-ES" sz="1100" b="1" dirty="0"/>
+              <a:t>Venta directa del monociclo</a:t>
+            </a:r>
+            <a:r>
               <a:rPr lang="es-ES" sz="1100" dirty="0"/>
-              <a:t>Venta directa del monociclo (comerciales rondan 3k, nosotros ~5k?)</a:t>
+              <a:t> (comerciales rondan 3k, nosotros ~5k?)</a:t>
             </a:r>
           </a:p>
           <a:p>
@@ -5548,7 +5697,65 @@
               <a:rPr lang="en-GB" sz="1100" dirty="0" err="1"/>
               <a:t>venta</a:t>
             </a:r>
+            <a:r>
+              <a:rPr lang="en-GB" sz="1100" dirty="0"/>
+              <a:t>. </a:t>
+            </a:r>
+            <a:r>
+              <a:rPr lang="en-GB" sz="1100" dirty="0" err="1"/>
+              <a:t>Utilizar</a:t>
+            </a:r>
+            <a:r>
+              <a:rPr lang="en-GB" sz="1100" dirty="0"/>
+              <a:t> </a:t>
+            </a:r>
+            <a:r>
+              <a:rPr lang="en-GB" sz="1100" dirty="0" err="1"/>
+              <a:t>empresa</a:t>
+            </a:r>
+            <a:r>
+              <a:rPr lang="en-GB" sz="1100" dirty="0"/>
+              <a:t> </a:t>
+            </a:r>
+            <a:r>
+              <a:rPr lang="en-GB" sz="1100" dirty="0" err="1"/>
+              <a:t>existente</a:t>
+            </a:r>
             <a:endParaRPr lang="en-GB" sz="1100" dirty="0"/>
+          </a:p>
+          <a:p>
+            <a:pPr marL="171450" indent="-171450">
+              <a:buFont typeface="Arial" panose="020B0604020202020204" pitchFamily="34" charset="0"/>
+              <a:buChar char="•"/>
+            </a:pPr>
+            <a:r>
+              <a:rPr lang="en-GB" sz="1100" dirty="0"/>
+              <a:t>B2B? (</a:t>
+            </a:r>
+            <a:r>
+              <a:rPr lang="en-GB" sz="1100" dirty="0" err="1"/>
+              <a:t>mantenimiento</a:t>
+            </a:r>
+            <a:r>
+              <a:rPr lang="en-GB" sz="1100" dirty="0"/>
+              <a:t>, </a:t>
+            </a:r>
+            <a:r>
+              <a:rPr lang="en-GB" sz="1100" dirty="0" err="1"/>
+              <a:t>problemas</a:t>
+            </a:r>
+            <a:r>
+              <a:rPr lang="en-GB" sz="1100" dirty="0"/>
+              <a:t> </a:t>
+            </a:r>
+            <a:r>
+              <a:rPr lang="en-GB" sz="1100" dirty="0" err="1"/>
+              <a:t>específicos</a:t>
+            </a:r>
+            <a:r>
+              <a:rPr lang="en-GB" sz="1100" dirty="0"/>
+              <a:t>)</a:t>
+            </a:r>
           </a:p>
         </p:txBody>
       </p:sp>
@@ -6066,7 +6273,7 @@
             </a:pPr>
             <a:r>
               <a:rPr lang="es-ES" dirty="0"/>
-              <a:t>Mal entorno fiscal en España</a:t>
+              <a:t>Mal entorno legal en España</a:t>
             </a:r>
           </a:p>
           <a:p>
@@ -6277,7 +6484,7 @@
         <p:spPr>
           <a:xfrm>
             <a:off x="6963083" y="907225"/>
-            <a:ext cx="4882400" cy="2554545"/>
+            <a:ext cx="4882400" cy="2308324"/>
           </a:xfrm>
           <a:prstGeom prst="rect">
             <a:avLst/>
@@ -6306,7 +6513,7 @@
             </a:pPr>
             <a:r>
               <a:rPr lang="es-ES" sz="1600" dirty="0"/>
-              <a:t>Considerar subvenciones/exenciones fiscales para proyectos de movilidad sostenible, o el traslado</a:t>
+              <a:t>Estudiar subvenciones/exenciones fiscales para proyectos de movilidad sostenible</a:t>
             </a:r>
           </a:p>
           <a:p>
@@ -6372,15 +6579,15 @@
               <a:buChar char="•"/>
             </a:pPr>
             <a:r>
-              <a:rPr lang="es-ES" dirty="0"/>
+              <a:rPr lang="es-ES" b="1" dirty="0"/>
               <a:t>Comunicar claramente las ventajas open-</a:t>
             </a:r>
             <a:r>
-              <a:rPr lang="es-ES" dirty="0" err="1"/>
+              <a:rPr lang="es-ES" b="1" dirty="0" err="1"/>
               <a:t>source</a:t>
             </a:r>
             <a:r>
-              <a:rPr lang="es-ES" dirty="0"/>
+              <a:rPr lang="es-ES" b="1" dirty="0"/>
               <a:t> y generar contenido</a:t>
             </a:r>
           </a:p>
@@ -6632,6 +6839,304 @@
           </a:prstGeom>
         </p:spPr>
       </p:pic>
+      <p:sp>
+        <p:nvSpPr>
+          <p:cNvPr id="3" name="TextBox 2">
+            <a:extLst>
+              <a:ext uri="{FF2B5EF4-FFF2-40B4-BE49-F238E27FC236}">
+                <a16:creationId xmlns:a16="http://schemas.microsoft.com/office/drawing/2014/main" id="{9FB437C2-AE1C-3AB9-E555-CA66FE000C48}"/>
+              </a:ext>
+            </a:extLst>
+          </p:cNvPr>
+          <p:cNvSpPr txBox="1"/>
+          <p:nvPr/>
+        </p:nvSpPr>
+        <p:spPr>
+          <a:xfrm>
+            <a:off x="1628190" y="3200401"/>
+            <a:ext cx="2922033" cy="3293209"/>
+          </a:xfrm>
+          <a:prstGeom prst="rect">
+            <a:avLst/>
+          </a:prstGeom>
+          <a:noFill/>
+        </p:spPr>
+        <p:txBody>
+          <a:bodyPr wrap="square" rtlCol="0">
+            <a:spAutoFit/>
+          </a:bodyPr>
+          <a:lstStyle/>
+          <a:p>
+            <a:pPr marL="285750" indent="-285750">
+              <a:buFont typeface="Arial" panose="020B0604020202020204" pitchFamily="34" charset="0"/>
+              <a:buChar char="•"/>
+            </a:pPr>
+            <a:r>
+              <a:rPr lang="es-ES" sz="1600" dirty="0"/>
+              <a:t>Existe demanda de alternativas más rápidas para transporte urbano.</a:t>
+            </a:r>
+          </a:p>
+          <a:p>
+            <a:pPr marL="285750" indent="-285750">
+              <a:buFont typeface="Arial" panose="020B0604020202020204" pitchFamily="34" charset="0"/>
+              <a:buChar char="•"/>
+            </a:pPr>
+            <a:r>
+              <a:rPr lang="es-ES" sz="1600" dirty="0"/>
+              <a:t>Es viable construir un prototipo que cumpla con estas características.</a:t>
+            </a:r>
+          </a:p>
+          <a:p>
+            <a:pPr marL="285750" indent="-285750">
+              <a:buFont typeface="Arial" panose="020B0604020202020204" pitchFamily="34" charset="0"/>
+              <a:buChar char="•"/>
+            </a:pPr>
+            <a:r>
+              <a:rPr lang="es-ES" sz="1600" dirty="0"/>
+              <a:t>Usuarios urbanos y profesionales valoran la resistencia y bajo mantenimiento.</a:t>
+            </a:r>
+          </a:p>
+          <a:p>
+            <a:pPr marL="285750" indent="-285750">
+              <a:buFont typeface="Arial" panose="020B0604020202020204" pitchFamily="34" charset="0"/>
+              <a:buChar char="•"/>
+            </a:pPr>
+            <a:r>
+              <a:rPr lang="es-ES" sz="1600" dirty="0"/>
+              <a:t>Pruebas reales validarán la solución.</a:t>
+            </a:r>
+          </a:p>
+          <a:p>
+            <a:pPr marL="285750" indent="-285750">
+              <a:buFont typeface="Arial" panose="020B0604020202020204" pitchFamily="34" charset="0"/>
+              <a:buChar char="•"/>
+            </a:pPr>
+            <a:endParaRPr lang="en-GB" sz="1600" dirty="0"/>
+          </a:p>
+        </p:txBody>
+      </p:sp>
+      <p:sp>
+        <p:nvSpPr>
+          <p:cNvPr id="4" name="TextBox 3">
+            <a:extLst>
+              <a:ext uri="{FF2B5EF4-FFF2-40B4-BE49-F238E27FC236}">
+                <a16:creationId xmlns:a16="http://schemas.microsoft.com/office/drawing/2014/main" id="{A209D9E2-5052-6C8D-C1B2-81A7AC2A499A}"/>
+              </a:ext>
+            </a:extLst>
+          </p:cNvPr>
+          <p:cNvSpPr txBox="1"/>
+          <p:nvPr/>
+        </p:nvSpPr>
+        <p:spPr>
+          <a:xfrm>
+            <a:off x="1628191" y="1209545"/>
+            <a:ext cx="8935620" cy="584775"/>
+          </a:xfrm>
+          <a:prstGeom prst="rect">
+            <a:avLst/>
+          </a:prstGeom>
+          <a:noFill/>
+        </p:spPr>
+        <p:txBody>
+          <a:bodyPr wrap="square" rtlCol="0">
+            <a:spAutoFit/>
+          </a:bodyPr>
+          <a:lstStyle/>
+          <a:p>
+            <a:r>
+              <a:rPr lang="es-ES" sz="1600" dirty="0"/>
+              <a:t>Monociclo eléctrico que realmente es práctico para el día a día: Es fiable, resiste lluvia y golpes, es duradero con el tiempo.</a:t>
+            </a:r>
+            <a:endParaRPr lang="en-GB" sz="1600" dirty="0"/>
+          </a:p>
+        </p:txBody>
+      </p:sp>
+      <p:sp>
+        <p:nvSpPr>
+          <p:cNvPr id="5" name="TextBox 4">
+            <a:extLst>
+              <a:ext uri="{FF2B5EF4-FFF2-40B4-BE49-F238E27FC236}">
+                <a16:creationId xmlns:a16="http://schemas.microsoft.com/office/drawing/2014/main" id="{BE5AA191-2598-7F49-D41F-2031ED9E7019}"/>
+              </a:ext>
+            </a:extLst>
+          </p:cNvPr>
+          <p:cNvSpPr txBox="1"/>
+          <p:nvPr/>
+        </p:nvSpPr>
+        <p:spPr>
+          <a:xfrm>
+            <a:off x="4634985" y="3200401"/>
+            <a:ext cx="2922033" cy="2024721"/>
+          </a:xfrm>
+          <a:prstGeom prst="rect">
+            <a:avLst/>
+          </a:prstGeom>
+          <a:noFill/>
+        </p:spPr>
+        <p:txBody>
+          <a:bodyPr wrap="square" rtlCol="0">
+            <a:spAutoFit/>
+          </a:bodyPr>
+          <a:lstStyle/>
+          <a:p>
+            <a:pPr marL="285750" indent="-285750">
+              <a:lnSpc>
+                <a:spcPts val="1500"/>
+              </a:lnSpc>
+              <a:buFont typeface="Arial" panose="020B0604020202020204" pitchFamily="34" charset="0"/>
+              <a:buChar char="•"/>
+            </a:pPr>
+            <a:r>
+              <a:rPr lang="es-ES" sz="1600" dirty="0"/>
+              <a:t>Usuarios de EUC por Hobby que buscan uno para transporte diario</a:t>
+            </a:r>
+          </a:p>
+          <a:p>
+            <a:pPr marL="285750" indent="-285750">
+              <a:lnSpc>
+                <a:spcPts val="1500"/>
+              </a:lnSpc>
+              <a:buFont typeface="Arial" panose="020B0604020202020204" pitchFamily="34" charset="0"/>
+              <a:buChar char="•"/>
+            </a:pPr>
+            <a:r>
+              <a:rPr lang="es-ES" sz="1600" dirty="0"/>
+              <a:t>Usuarios urbanos sin coche en propiedad</a:t>
+            </a:r>
+          </a:p>
+          <a:p>
+            <a:pPr marL="285750" indent="-285750">
+              <a:lnSpc>
+                <a:spcPts val="1500"/>
+              </a:lnSpc>
+              <a:buFont typeface="Arial" panose="020B0604020202020204" pitchFamily="34" charset="0"/>
+              <a:buChar char="•"/>
+            </a:pPr>
+            <a:r>
+              <a:rPr lang="es-ES" sz="1600" dirty="0"/>
+              <a:t>Personas jóvenes sin permiso para conducir</a:t>
+            </a:r>
+          </a:p>
+          <a:p>
+            <a:pPr marL="285750" indent="-285750">
+              <a:lnSpc>
+                <a:spcPts val="1500"/>
+              </a:lnSpc>
+              <a:buFont typeface="Arial" panose="020B0604020202020204" pitchFamily="34" charset="0"/>
+              <a:buChar char="•"/>
+            </a:pPr>
+            <a:r>
+              <a:rPr lang="es-ES" sz="1600" dirty="0"/>
+              <a:t>Personas que trabajan con transporte (repartidores </a:t>
+            </a:r>
+            <a:r>
+              <a:rPr lang="es-ES" sz="1600" dirty="0" err="1"/>
+              <a:t>etc</a:t>
+            </a:r>
+            <a:r>
+              <a:rPr lang="es-ES" sz="1600" dirty="0"/>
+              <a:t>)</a:t>
+            </a:r>
+          </a:p>
+        </p:txBody>
+      </p:sp>
+      <p:sp>
+        <p:nvSpPr>
+          <p:cNvPr id="7" name="TextBox 6">
+            <a:extLst>
+              <a:ext uri="{FF2B5EF4-FFF2-40B4-BE49-F238E27FC236}">
+                <a16:creationId xmlns:a16="http://schemas.microsoft.com/office/drawing/2014/main" id="{41952908-38D8-A69F-58BA-4C67D9459AAE}"/>
+              </a:ext>
+            </a:extLst>
+          </p:cNvPr>
+          <p:cNvSpPr txBox="1"/>
+          <p:nvPr/>
+        </p:nvSpPr>
+        <p:spPr>
+          <a:xfrm>
+            <a:off x="7641776" y="3200401"/>
+            <a:ext cx="2922034" cy="2794163"/>
+          </a:xfrm>
+          <a:prstGeom prst="rect">
+            <a:avLst/>
+          </a:prstGeom>
+          <a:noFill/>
+        </p:spPr>
+        <p:txBody>
+          <a:bodyPr wrap="square" rtlCol="0">
+            <a:spAutoFit/>
+          </a:bodyPr>
+          <a:lstStyle/>
+          <a:p>
+            <a:pPr marL="285750" indent="-285750">
+              <a:lnSpc>
+                <a:spcPts val="1500"/>
+              </a:lnSpc>
+              <a:buFont typeface="Arial" panose="020B0604020202020204" pitchFamily="34" charset="0"/>
+              <a:buChar char="•"/>
+            </a:pPr>
+            <a:r>
+              <a:rPr lang="es-ES" sz="1600" dirty="0"/>
+              <a:t>Diseñar y construir un prototipo de pruebas, para cambiar piezas y experimentar rápidamente</a:t>
+            </a:r>
+          </a:p>
+          <a:p>
+            <a:pPr marL="285750" indent="-285750">
+              <a:lnSpc>
+                <a:spcPts val="1500"/>
+              </a:lnSpc>
+              <a:buFont typeface="Arial" panose="020B0604020202020204" pitchFamily="34" charset="0"/>
+              <a:buChar char="•"/>
+            </a:pPr>
+            <a:r>
+              <a:rPr lang="es-ES" sz="1600" dirty="0"/>
+              <a:t>Probarlo en diferentes entornos (lluvia, polvo, pendientes, golpes, velocidades, potencia…)</a:t>
+            </a:r>
+          </a:p>
+          <a:p>
+            <a:pPr marL="285750" indent="-285750">
+              <a:lnSpc>
+                <a:spcPts val="1500"/>
+              </a:lnSpc>
+              <a:buFont typeface="Arial" panose="020B0604020202020204" pitchFamily="34" charset="0"/>
+              <a:buChar char="•"/>
+            </a:pPr>
+            <a:r>
+              <a:rPr lang="es-ES" sz="1600" dirty="0"/>
+              <a:t>Obtener </a:t>
+            </a:r>
+            <a:r>
+              <a:rPr lang="es-ES" sz="1600" dirty="0" err="1"/>
+              <a:t>feedback</a:t>
+            </a:r>
+            <a:r>
+              <a:rPr lang="es-ES" sz="1600" dirty="0"/>
+              <a:t> de usuarios reales (repartidores, urbanos).  </a:t>
+            </a:r>
+          </a:p>
+          <a:p>
+            <a:pPr marL="285750" indent="-285750">
+              <a:lnSpc>
+                <a:spcPts val="1500"/>
+              </a:lnSpc>
+              <a:buFont typeface="Arial" panose="020B0604020202020204" pitchFamily="34" charset="0"/>
+              <a:buChar char="•"/>
+            </a:pPr>
+            <a:r>
+              <a:rPr lang="es-ES" sz="1600" dirty="0"/>
+              <a:t>Comparar con </a:t>
+            </a:r>
+            <a:r>
+              <a:rPr lang="es-ES" sz="1600" dirty="0" err="1"/>
+              <a:t>EUCs</a:t>
+            </a:r>
+            <a:r>
+              <a:rPr lang="es-ES" sz="1600" dirty="0"/>
+              <a:t> comerciales en durabilidad y mantenimiento.</a:t>
+            </a:r>
+          </a:p>
+        </p:txBody>
+      </p:sp>
     </p:spTree>
     <p:extLst>
       <p:ext uri="{BB962C8B-B14F-4D97-AF65-F5344CB8AC3E}">
@@ -6698,6 +7203,294 @@
           </a:prstGeom>
         </p:spPr>
       </p:pic>
+      <p:sp>
+        <p:nvSpPr>
+          <p:cNvPr id="2" name="TextBox 1">
+            <a:extLst>
+              <a:ext uri="{FF2B5EF4-FFF2-40B4-BE49-F238E27FC236}">
+                <a16:creationId xmlns:a16="http://schemas.microsoft.com/office/drawing/2014/main" id="{44D30604-D00F-2F6F-3004-0FFF16C91788}"/>
+              </a:ext>
+            </a:extLst>
+          </p:cNvPr>
+          <p:cNvSpPr txBox="1"/>
+          <p:nvPr/>
+        </p:nvSpPr>
+        <p:spPr>
+          <a:xfrm>
+            <a:off x="6162869" y="1734654"/>
+            <a:ext cx="2208245" cy="523220"/>
+          </a:xfrm>
+          <a:prstGeom prst="rect">
+            <a:avLst/>
+          </a:prstGeom>
+          <a:noFill/>
+        </p:spPr>
+        <p:txBody>
+          <a:bodyPr wrap="square" rtlCol="0">
+            <a:spAutoFit/>
+          </a:bodyPr>
+          <a:lstStyle/>
+          <a:p>
+            <a:r>
+              <a:rPr lang="es-ES_tradnl" sz="1400" dirty="0"/>
+              <a:t>Fabricar chasis corte laser</a:t>
+            </a:r>
+            <a:endParaRPr lang="en-GB" sz="1400" dirty="0"/>
+          </a:p>
+        </p:txBody>
+      </p:sp>
+      <p:sp>
+        <p:nvSpPr>
+          <p:cNvPr id="4" name="TextBox 3">
+            <a:extLst>
+              <a:ext uri="{FF2B5EF4-FFF2-40B4-BE49-F238E27FC236}">
+                <a16:creationId xmlns:a16="http://schemas.microsoft.com/office/drawing/2014/main" id="{FA7E0306-F8AF-7191-219F-4AB7E12FB626}"/>
+              </a:ext>
+            </a:extLst>
+          </p:cNvPr>
+          <p:cNvSpPr txBox="1"/>
+          <p:nvPr/>
+        </p:nvSpPr>
+        <p:spPr>
+          <a:xfrm>
+            <a:off x="3954624" y="1734654"/>
+            <a:ext cx="2208245" cy="523220"/>
+          </a:xfrm>
+          <a:prstGeom prst="rect">
+            <a:avLst/>
+          </a:prstGeom>
+          <a:noFill/>
+        </p:spPr>
+        <p:txBody>
+          <a:bodyPr wrap="square" rtlCol="0">
+            <a:spAutoFit/>
+          </a:bodyPr>
+          <a:lstStyle/>
+          <a:p>
+            <a:r>
+              <a:rPr lang="es-ES_tradnl" sz="1400" dirty="0"/>
+              <a:t>Publicar contenido en redes</a:t>
+            </a:r>
+            <a:endParaRPr lang="en-GB" sz="1400" dirty="0"/>
+          </a:p>
+        </p:txBody>
+      </p:sp>
+      <p:sp>
+        <p:nvSpPr>
+          <p:cNvPr id="5" name="TextBox 4">
+            <a:extLst>
+              <a:ext uri="{FF2B5EF4-FFF2-40B4-BE49-F238E27FC236}">
+                <a16:creationId xmlns:a16="http://schemas.microsoft.com/office/drawing/2014/main" id="{E5B04491-7AA2-6F0C-01E5-7D91422FBF90}"/>
+              </a:ext>
+            </a:extLst>
+          </p:cNvPr>
+          <p:cNvSpPr txBox="1"/>
+          <p:nvPr/>
+        </p:nvSpPr>
+        <p:spPr>
+          <a:xfrm>
+            <a:off x="8371114" y="1734654"/>
+            <a:ext cx="2208245" cy="738664"/>
+          </a:xfrm>
+          <a:prstGeom prst="rect">
+            <a:avLst/>
+          </a:prstGeom>
+          <a:noFill/>
+        </p:spPr>
+        <p:txBody>
+          <a:bodyPr wrap="square" rtlCol="0">
+            <a:spAutoFit/>
+          </a:bodyPr>
+          <a:lstStyle/>
+          <a:p>
+            <a:r>
+              <a:rPr lang="es-ES_tradnl" sz="1400" dirty="0"/>
+              <a:t>Prototipo moviéndose (no suficiente para montar por ahora)</a:t>
+            </a:r>
+            <a:endParaRPr lang="en-GB" sz="1400" dirty="0"/>
+          </a:p>
+        </p:txBody>
+      </p:sp>
+      <p:sp>
+        <p:nvSpPr>
+          <p:cNvPr id="7" name="TextBox 6">
+            <a:extLst>
+              <a:ext uri="{FF2B5EF4-FFF2-40B4-BE49-F238E27FC236}">
+                <a16:creationId xmlns:a16="http://schemas.microsoft.com/office/drawing/2014/main" id="{DBF6A1C5-E072-F0EE-9AC2-2B46DE3FEC93}"/>
+              </a:ext>
+            </a:extLst>
+          </p:cNvPr>
+          <p:cNvSpPr txBox="1"/>
+          <p:nvPr/>
+        </p:nvSpPr>
+        <p:spPr>
+          <a:xfrm>
+            <a:off x="1352614" y="1734654"/>
+            <a:ext cx="2468273" cy="523220"/>
+          </a:xfrm>
+          <a:prstGeom prst="rect">
+            <a:avLst/>
+          </a:prstGeom>
+          <a:noFill/>
+        </p:spPr>
+        <p:txBody>
+          <a:bodyPr wrap="square" rtlCol="0">
+            <a:spAutoFit/>
+          </a:bodyPr>
+          <a:lstStyle/>
+          <a:p>
+            <a:r>
+              <a:rPr lang="es-ES_tradnl" sz="1400" dirty="0"/>
+              <a:t>Conseguir montar (incorporar chasis y calibrar software)</a:t>
+            </a:r>
+            <a:endParaRPr lang="en-GB" sz="1400" dirty="0"/>
+          </a:p>
+        </p:txBody>
+      </p:sp>
+      <p:sp>
+        <p:nvSpPr>
+          <p:cNvPr id="8" name="TextBox 7">
+            <a:extLst>
+              <a:ext uri="{FF2B5EF4-FFF2-40B4-BE49-F238E27FC236}">
+                <a16:creationId xmlns:a16="http://schemas.microsoft.com/office/drawing/2014/main" id="{4B49C935-28F2-DAD7-50AB-52C19D9ECFDE}"/>
+              </a:ext>
+            </a:extLst>
+          </p:cNvPr>
+          <p:cNvSpPr txBox="1"/>
+          <p:nvPr/>
+        </p:nvSpPr>
+        <p:spPr>
+          <a:xfrm>
+            <a:off x="1352614" y="2920347"/>
+            <a:ext cx="2468273" cy="738664"/>
+          </a:xfrm>
+          <a:prstGeom prst="rect">
+            <a:avLst/>
+          </a:prstGeom>
+          <a:noFill/>
+        </p:spPr>
+        <p:txBody>
+          <a:bodyPr wrap="square" rtlCol="0">
+            <a:spAutoFit/>
+          </a:bodyPr>
+          <a:lstStyle/>
+          <a:p>
+            <a:r>
+              <a:rPr lang="es-ES_tradnl" sz="1400" dirty="0"/>
+              <a:t>Validar: Es mejor vender a personas que ya tienen monociclo o clientes nuevos?</a:t>
+            </a:r>
+            <a:endParaRPr lang="en-GB" sz="1400" dirty="0"/>
+          </a:p>
+        </p:txBody>
+      </p:sp>
+      <p:sp>
+        <p:nvSpPr>
+          <p:cNvPr id="9" name="TextBox 8">
+            <a:extLst>
+              <a:ext uri="{FF2B5EF4-FFF2-40B4-BE49-F238E27FC236}">
+                <a16:creationId xmlns:a16="http://schemas.microsoft.com/office/drawing/2014/main" id="{D6D8FB21-DDA3-907B-FFD8-C0B296F65D83}"/>
+              </a:ext>
+            </a:extLst>
+          </p:cNvPr>
+          <p:cNvSpPr txBox="1"/>
+          <p:nvPr/>
+        </p:nvSpPr>
+        <p:spPr>
+          <a:xfrm>
+            <a:off x="4928732" y="559550"/>
+            <a:ext cx="2468273" cy="307777"/>
+          </a:xfrm>
+          <a:prstGeom prst="rect">
+            <a:avLst/>
+          </a:prstGeom>
+          <a:noFill/>
+        </p:spPr>
+        <p:txBody>
+          <a:bodyPr wrap="square" rtlCol="0">
+            <a:spAutoFit/>
+          </a:bodyPr>
+          <a:lstStyle/>
+          <a:p>
+            <a:r>
+              <a:rPr lang="es-ES_tradnl" sz="1400" dirty="0"/>
+              <a:t>2 líneas: desarrollo y negocio</a:t>
+            </a:r>
+            <a:endParaRPr lang="en-GB" sz="1400" dirty="0"/>
+          </a:p>
+        </p:txBody>
+      </p:sp>
+      <p:sp>
+        <p:nvSpPr>
+          <p:cNvPr id="10" name="TextBox 9">
+            <a:extLst>
+              <a:ext uri="{FF2B5EF4-FFF2-40B4-BE49-F238E27FC236}">
+                <a16:creationId xmlns:a16="http://schemas.microsoft.com/office/drawing/2014/main" id="{D6981499-F48B-5392-80BB-AEBF14080E80}"/>
+              </a:ext>
+            </a:extLst>
+          </p:cNvPr>
+          <p:cNvSpPr txBox="1"/>
+          <p:nvPr/>
+        </p:nvSpPr>
+        <p:spPr>
+          <a:xfrm>
+            <a:off x="1082352" y="3743082"/>
+            <a:ext cx="2738535" cy="954107"/>
+          </a:xfrm>
+          <a:prstGeom prst="rect">
+            <a:avLst/>
+          </a:prstGeom>
+          <a:noFill/>
+        </p:spPr>
+        <p:txBody>
+          <a:bodyPr wrap="square" rtlCol="0">
+            <a:spAutoFit/>
+          </a:bodyPr>
+          <a:lstStyle/>
+          <a:p>
+            <a:r>
+              <a:rPr lang="es-ES_tradnl" sz="1400" dirty="0"/>
+              <a:t>?Comprar componentes para futuro prototipo (y adelantar la espera. Para batería 84V, motor, pedales, electrónica…)</a:t>
+            </a:r>
+            <a:endParaRPr lang="en-GB" sz="1400" dirty="0"/>
+          </a:p>
+        </p:txBody>
+      </p:sp>
+      <p:sp>
+        <p:nvSpPr>
+          <p:cNvPr id="11" name="TextBox 10">
+            <a:extLst>
+              <a:ext uri="{FF2B5EF4-FFF2-40B4-BE49-F238E27FC236}">
+                <a16:creationId xmlns:a16="http://schemas.microsoft.com/office/drawing/2014/main" id="{D9961EAD-8AD7-9F13-197B-2E009C45CE14}"/>
+              </a:ext>
+            </a:extLst>
+          </p:cNvPr>
+          <p:cNvSpPr txBox="1"/>
+          <p:nvPr/>
+        </p:nvSpPr>
+        <p:spPr>
+          <a:xfrm>
+            <a:off x="1679510" y="2313056"/>
+            <a:ext cx="2208245" cy="523220"/>
+          </a:xfrm>
+          <a:prstGeom prst="rect">
+            <a:avLst/>
+          </a:prstGeom>
+          <a:noFill/>
+        </p:spPr>
+        <p:txBody>
+          <a:bodyPr wrap="square" rtlCol="0">
+            <a:spAutoFit/>
+          </a:bodyPr>
+          <a:lstStyle/>
+          <a:p>
+            <a:r>
+              <a:rPr lang="es-ES_tradnl" sz="1400" dirty="0"/>
+              <a:t>Validar chasis por corte laser (rígido, estanco)</a:t>
+            </a:r>
+            <a:endParaRPr lang="en-GB" sz="1400" dirty="0"/>
+          </a:p>
+        </p:txBody>
+      </p:sp>
     </p:spTree>
     <p:extLst>
       <p:ext uri="{BB962C8B-B14F-4D97-AF65-F5344CB8AC3E}">
@@ -6712,6 +7505,190 @@
 </file>
 
 <file path=ppt/slides/slide6.xml><?xml version="1.0" encoding="utf-8"?>
+<p:sld xmlns:a="http://schemas.openxmlformats.org/drawingml/2006/main" xmlns:r="http://schemas.openxmlformats.org/officeDocument/2006/relationships" xmlns:p="http://schemas.openxmlformats.org/presentationml/2006/main">
+  <p:cSld>
+    <p:spTree>
+      <p:nvGrpSpPr>
+        <p:cNvPr id="1" name="">
+          <a:extLst>
+            <a:ext uri="{FF2B5EF4-FFF2-40B4-BE49-F238E27FC236}">
+              <a16:creationId xmlns:a16="http://schemas.microsoft.com/office/drawing/2014/main" id="{1F7D10A7-73FF-CF8E-3B8D-070FF8D51960}"/>
+            </a:ext>
+          </a:extLst>
+        </p:cNvPr>
+        <p:cNvGrpSpPr/>
+        <p:nvPr/>
+      </p:nvGrpSpPr>
+      <p:grpSpPr>
+        <a:xfrm>
+          <a:off x="0" y="0"/>
+          <a:ext cx="0" cy="0"/>
+          <a:chOff x="0" y="0"/>
+          <a:chExt cx="0" cy="0"/>
+        </a:xfrm>
+      </p:grpSpPr>
+      <p:sp>
+        <p:nvSpPr>
+          <p:cNvPr id="9" name="TextBox 8">
+            <a:extLst>
+              <a:ext uri="{FF2B5EF4-FFF2-40B4-BE49-F238E27FC236}">
+                <a16:creationId xmlns:a16="http://schemas.microsoft.com/office/drawing/2014/main" id="{ED00A751-1A16-6BCA-8B9C-41AA907731D7}"/>
+              </a:ext>
+            </a:extLst>
+          </p:cNvPr>
+          <p:cNvSpPr txBox="1"/>
+          <p:nvPr/>
+        </p:nvSpPr>
+        <p:spPr>
+          <a:xfrm>
+            <a:off x="4928732" y="559550"/>
+            <a:ext cx="2468273" cy="307777"/>
+          </a:xfrm>
+          <a:prstGeom prst="rect">
+            <a:avLst/>
+          </a:prstGeom>
+          <a:noFill/>
+        </p:spPr>
+        <p:txBody>
+          <a:bodyPr wrap="square" rtlCol="0">
+            <a:spAutoFit/>
+          </a:bodyPr>
+          <a:lstStyle/>
+          <a:p>
+            <a:r>
+              <a:rPr lang="es-ES_tradnl" sz="1400" dirty="0"/>
+              <a:t>Tareas prototipo</a:t>
+            </a:r>
+            <a:endParaRPr lang="en-GB" sz="1400" dirty="0"/>
+          </a:p>
+        </p:txBody>
+      </p:sp>
+      <p:sp>
+        <p:nvSpPr>
+          <p:cNvPr id="6" name="TextBox 5">
+            <a:extLst>
+              <a:ext uri="{FF2B5EF4-FFF2-40B4-BE49-F238E27FC236}">
+                <a16:creationId xmlns:a16="http://schemas.microsoft.com/office/drawing/2014/main" id="{F7B6D465-971F-8795-F02E-30B94050C5F4}"/>
+              </a:ext>
+            </a:extLst>
+          </p:cNvPr>
+          <p:cNvSpPr txBox="1"/>
+          <p:nvPr/>
+        </p:nvSpPr>
+        <p:spPr>
+          <a:xfrm>
+            <a:off x="3863340" y="873594"/>
+            <a:ext cx="5105400" cy="3108543"/>
+          </a:xfrm>
+          <a:prstGeom prst="rect">
+            <a:avLst/>
+          </a:prstGeom>
+          <a:noFill/>
+        </p:spPr>
+        <p:txBody>
+          <a:bodyPr wrap="square" rtlCol="0">
+            <a:spAutoFit/>
+          </a:bodyPr>
+          <a:lstStyle/>
+          <a:p>
+            <a:pPr marL="285750" indent="-285750">
+              <a:buFontTx/>
+              <a:buChar char="-"/>
+            </a:pPr>
+            <a:r>
+              <a:rPr lang="es-ES_tradnl" sz="1400" dirty="0"/>
+              <a:t>Kanban o simplemente tareas. con tareas </a:t>
+            </a:r>
+            <a:r>
+              <a:rPr lang="es-ES_tradnl" sz="1400" dirty="0" err="1"/>
+              <a:t>etc</a:t>
+            </a:r>
+            <a:r>
+              <a:rPr lang="es-ES_tradnl" sz="1400" dirty="0"/>
+              <a:t>, preparar </a:t>
+            </a:r>
+            <a:r>
+              <a:rPr lang="es-ES_tradnl" sz="1400" dirty="0" err="1"/>
+              <a:t>Notion</a:t>
+            </a:r>
+            <a:r>
+              <a:rPr lang="es-ES_tradnl" sz="1400" dirty="0"/>
+              <a:t>. Listar TODO lo que hace falta, componentes. Hacer, haciendo hecho.</a:t>
+            </a:r>
+          </a:p>
+          <a:p>
+            <a:pPr marL="285750" indent="-285750">
+              <a:buFontTx/>
+              <a:buChar char="-"/>
+            </a:pPr>
+            <a:r>
+              <a:rPr lang="es-ES_tradnl" sz="1400" dirty="0"/>
+              <a:t>Cuándo doy por válido prototipo: poder montar a baja velocidad, aprender a montar con él.</a:t>
+            </a:r>
+          </a:p>
+          <a:p>
+            <a:pPr marL="285750" indent="-285750">
+              <a:buFontTx/>
+              <a:buChar char="-"/>
+            </a:pPr>
+            <a:r>
+              <a:rPr lang="es-ES_tradnl" sz="1400" dirty="0"/>
+              <a:t>Listar las mejoras principales en README.md, analizarlas, </a:t>
+            </a:r>
+            <a:r>
+              <a:rPr lang="es-ES_tradnl" sz="1400" dirty="0" err="1"/>
+              <a:t>jutificar</a:t>
+            </a:r>
+            <a:r>
+              <a:rPr lang="es-ES_tradnl" sz="1400" dirty="0"/>
+              <a:t> por qué no tienen la competencia, son mejores</a:t>
+            </a:r>
+          </a:p>
+          <a:p>
+            <a:pPr marL="285750" indent="-285750">
+              <a:buFontTx/>
+              <a:buChar char="-"/>
+            </a:pPr>
+            <a:endParaRPr lang="es-ES_tradnl" sz="1400" dirty="0"/>
+          </a:p>
+          <a:p>
+            <a:pPr marL="285750" indent="-285750">
+              <a:buFontTx/>
+              <a:buChar char="-"/>
+            </a:pPr>
+            <a:endParaRPr lang="es-ES_tradnl" sz="1400" dirty="0"/>
+          </a:p>
+          <a:p>
+            <a:endParaRPr lang="es-ES_tradnl" sz="1400" dirty="0"/>
+          </a:p>
+          <a:p>
+            <a:endParaRPr lang="es-ES_tradnl" sz="1400" dirty="0"/>
+          </a:p>
+          <a:p>
+            <a:endParaRPr lang="es-ES_tradnl" sz="1400" dirty="0"/>
+          </a:p>
+          <a:p>
+            <a:endParaRPr lang="es-ES_tradnl" sz="1400" dirty="0"/>
+          </a:p>
+          <a:p>
+            <a:endParaRPr lang="en-GB" sz="1400" dirty="0"/>
+          </a:p>
+        </p:txBody>
+      </p:sp>
+    </p:spTree>
+    <p:extLst>
+      <p:ext uri="{BB962C8B-B14F-4D97-AF65-F5344CB8AC3E}">
+        <p14:creationId xmlns:p14="http://schemas.microsoft.com/office/powerpoint/2010/main" val="917337848"/>
+      </p:ext>
+    </p:extLst>
+  </p:cSld>
+  <p:clrMapOvr>
+    <a:masterClrMapping/>
+  </p:clrMapOvr>
+</p:sld>
+</file>
+
+<file path=ppt/slides/slide7.xml><?xml version="1.0" encoding="utf-8"?>
 <p:sld xmlns:a="http://schemas.openxmlformats.org/drawingml/2006/main" xmlns:r="http://schemas.openxmlformats.org/officeDocument/2006/relationships" xmlns:p="http://schemas.openxmlformats.org/presentationml/2006/main">
   <p:cSld>
     <p:spTree>
@@ -6764,6 +7741,355 @@
           </a:prstGeom>
         </p:spPr>
       </p:pic>
+      <p:sp>
+        <p:nvSpPr>
+          <p:cNvPr id="2" name="TextBox 1">
+            <a:extLst>
+              <a:ext uri="{FF2B5EF4-FFF2-40B4-BE49-F238E27FC236}">
+                <a16:creationId xmlns:a16="http://schemas.microsoft.com/office/drawing/2014/main" id="{2BF9F742-25CA-B365-DECC-4F06B833DD57}"/>
+              </a:ext>
+            </a:extLst>
+          </p:cNvPr>
+          <p:cNvSpPr txBox="1"/>
+          <p:nvPr/>
+        </p:nvSpPr>
+        <p:spPr>
+          <a:xfrm>
+            <a:off x="6923315" y="1031433"/>
+            <a:ext cx="3871316" cy="646331"/>
+          </a:xfrm>
+          <a:prstGeom prst="rect">
+            <a:avLst/>
+          </a:prstGeom>
+          <a:noFill/>
+        </p:spPr>
+        <p:txBody>
+          <a:bodyPr wrap="none" rtlCol="0">
+            <a:spAutoFit/>
+          </a:bodyPr>
+          <a:lstStyle/>
+          <a:p>
+            <a:r>
+              <a:rPr lang="es-ES_tradnl" dirty="0"/>
+              <a:t>Inversores</a:t>
+            </a:r>
+          </a:p>
+          <a:p>
+            <a:r>
+              <a:rPr lang="es-ES_tradnl" dirty="0" err="1"/>
+              <a:t>Influencers</a:t>
+            </a:r>
+            <a:r>
+              <a:rPr lang="es-ES_tradnl" dirty="0"/>
+              <a:t> (</a:t>
+            </a:r>
+            <a:r>
+              <a:rPr lang="es-ES_tradnl" dirty="0" err="1"/>
+              <a:t>Youtube</a:t>
+            </a:r>
+            <a:r>
+              <a:rPr lang="es-ES_tradnl" dirty="0"/>
+              <a:t> principalmente)</a:t>
+            </a:r>
+            <a:endParaRPr lang="en-GB" dirty="0"/>
+          </a:p>
+        </p:txBody>
+      </p:sp>
+      <p:sp>
+        <p:nvSpPr>
+          <p:cNvPr id="4" name="TextBox 3">
+            <a:extLst>
+              <a:ext uri="{FF2B5EF4-FFF2-40B4-BE49-F238E27FC236}">
+                <a16:creationId xmlns:a16="http://schemas.microsoft.com/office/drawing/2014/main" id="{8B8F2DBF-5070-9029-3DD2-D747C2A2D1A8}"/>
+              </a:ext>
+            </a:extLst>
+          </p:cNvPr>
+          <p:cNvSpPr txBox="1"/>
+          <p:nvPr/>
+        </p:nvSpPr>
+        <p:spPr>
+          <a:xfrm>
+            <a:off x="7716770" y="4847337"/>
+            <a:ext cx="4294894" cy="369332"/>
+          </a:xfrm>
+          <a:prstGeom prst="rect">
+            <a:avLst/>
+          </a:prstGeom>
+          <a:noFill/>
+        </p:spPr>
+        <p:txBody>
+          <a:bodyPr wrap="none" rtlCol="0">
+            <a:spAutoFit/>
+          </a:bodyPr>
+          <a:lstStyle/>
+          <a:p>
+            <a:r>
+              <a:rPr lang="es-ES_tradnl" dirty="0"/>
+              <a:t>Administraciones públicas</a:t>
+            </a:r>
+            <a:r>
+              <a:rPr lang="en-GB" dirty="0"/>
+              <a:t> (</a:t>
+            </a:r>
+            <a:r>
+              <a:rPr lang="en-GB" dirty="0" err="1"/>
+              <a:t>regulaciones</a:t>
+            </a:r>
+            <a:r>
+              <a:rPr lang="en-GB" dirty="0"/>
+              <a:t>)</a:t>
+            </a:r>
+          </a:p>
+        </p:txBody>
+      </p:sp>
+      <p:sp>
+        <p:nvSpPr>
+          <p:cNvPr id="5" name="TextBox 4">
+            <a:extLst>
+              <a:ext uri="{FF2B5EF4-FFF2-40B4-BE49-F238E27FC236}">
+                <a16:creationId xmlns:a16="http://schemas.microsoft.com/office/drawing/2014/main" id="{8D8995CE-C03B-5777-9A81-FC42D1B45C5B}"/>
+              </a:ext>
+            </a:extLst>
+          </p:cNvPr>
+          <p:cNvSpPr txBox="1"/>
+          <p:nvPr/>
+        </p:nvSpPr>
+        <p:spPr>
+          <a:xfrm>
+            <a:off x="5190762" y="1031432"/>
+            <a:ext cx="1616533" cy="646331"/>
+          </a:xfrm>
+          <a:prstGeom prst="rect">
+            <a:avLst/>
+          </a:prstGeom>
+          <a:noFill/>
+        </p:spPr>
+        <p:txBody>
+          <a:bodyPr wrap="none" rtlCol="0">
+            <a:spAutoFit/>
+          </a:bodyPr>
+          <a:lstStyle/>
+          <a:p>
+            <a:r>
+              <a:rPr lang="es-ES_tradnl" dirty="0" err="1"/>
+              <a:t>Early</a:t>
+            </a:r>
+            <a:r>
+              <a:rPr lang="es-ES_tradnl" dirty="0"/>
+              <a:t> </a:t>
+            </a:r>
+            <a:r>
+              <a:rPr lang="es-ES_tradnl" dirty="0" err="1"/>
+              <a:t>adopters</a:t>
+            </a:r>
+            <a:endParaRPr lang="es-ES_tradnl" dirty="0"/>
+          </a:p>
+          <a:p>
+            <a:endParaRPr lang="es-ES_tradnl" dirty="0"/>
+          </a:p>
+        </p:txBody>
+      </p:sp>
+      <p:sp>
+        <p:nvSpPr>
+          <p:cNvPr id="6" name="TextBox 5">
+            <a:extLst>
+              <a:ext uri="{FF2B5EF4-FFF2-40B4-BE49-F238E27FC236}">
+                <a16:creationId xmlns:a16="http://schemas.microsoft.com/office/drawing/2014/main" id="{DCF6C220-3785-27C9-BF27-5F2D8DB403AA}"/>
+              </a:ext>
+            </a:extLst>
+          </p:cNvPr>
+          <p:cNvSpPr txBox="1"/>
+          <p:nvPr/>
+        </p:nvSpPr>
+        <p:spPr>
+          <a:xfrm>
+            <a:off x="8526680" y="1804743"/>
+            <a:ext cx="3484984" cy="646331"/>
+          </a:xfrm>
+          <a:prstGeom prst="rect">
+            <a:avLst/>
+          </a:prstGeom>
+          <a:noFill/>
+        </p:spPr>
+        <p:txBody>
+          <a:bodyPr wrap="square" rtlCol="0">
+            <a:spAutoFit/>
+          </a:bodyPr>
+          <a:lstStyle/>
+          <a:p>
+            <a:r>
+              <a:rPr lang="es-ES_tradnl" dirty="0"/>
+              <a:t>Fabricantes de componentes específicos</a:t>
+            </a:r>
+            <a:endParaRPr lang="en-GB" dirty="0"/>
+          </a:p>
+        </p:txBody>
+      </p:sp>
+      <p:sp>
+        <p:nvSpPr>
+          <p:cNvPr id="7" name="TextBox 6">
+            <a:extLst>
+              <a:ext uri="{FF2B5EF4-FFF2-40B4-BE49-F238E27FC236}">
+                <a16:creationId xmlns:a16="http://schemas.microsoft.com/office/drawing/2014/main" id="{9BA588B3-3164-9035-84BA-3DFB8536D01D}"/>
+              </a:ext>
+            </a:extLst>
+          </p:cNvPr>
+          <p:cNvSpPr txBox="1"/>
+          <p:nvPr/>
+        </p:nvSpPr>
+        <p:spPr>
+          <a:xfrm>
+            <a:off x="3934761" y="3429000"/>
+            <a:ext cx="2721771" cy="369332"/>
+          </a:xfrm>
+          <a:prstGeom prst="rect">
+            <a:avLst/>
+          </a:prstGeom>
+          <a:noFill/>
+        </p:spPr>
+        <p:txBody>
+          <a:bodyPr wrap="none" rtlCol="0">
+            <a:spAutoFit/>
+          </a:bodyPr>
+          <a:lstStyle/>
+          <a:p>
+            <a:r>
+              <a:rPr lang="es-ES_tradnl" dirty="0"/>
+              <a:t>Curiosos, público general</a:t>
+            </a:r>
+          </a:p>
+        </p:txBody>
+      </p:sp>
+      <p:sp>
+        <p:nvSpPr>
+          <p:cNvPr id="8" name="TextBox 7">
+            <a:extLst>
+              <a:ext uri="{FF2B5EF4-FFF2-40B4-BE49-F238E27FC236}">
+                <a16:creationId xmlns:a16="http://schemas.microsoft.com/office/drawing/2014/main" id="{276BDC69-E56C-7F7C-BE2A-0D6B911B86BA}"/>
+              </a:ext>
+            </a:extLst>
+          </p:cNvPr>
+          <p:cNvSpPr txBox="1"/>
+          <p:nvPr/>
+        </p:nvSpPr>
+        <p:spPr>
+          <a:xfrm>
+            <a:off x="8526680" y="4099887"/>
+            <a:ext cx="3484984" cy="646331"/>
+          </a:xfrm>
+          <a:prstGeom prst="rect">
+            <a:avLst/>
+          </a:prstGeom>
+          <a:noFill/>
+        </p:spPr>
+        <p:txBody>
+          <a:bodyPr wrap="square" rtlCol="0">
+            <a:spAutoFit/>
+          </a:bodyPr>
+          <a:lstStyle/>
+          <a:p>
+            <a:r>
+              <a:rPr lang="es-ES_tradnl" dirty="0"/>
+              <a:t>Fabricantes de componentes generales (mucho volumen)</a:t>
+            </a:r>
+            <a:endParaRPr lang="en-GB" dirty="0"/>
+          </a:p>
+        </p:txBody>
+      </p:sp>
+      <p:sp>
+        <p:nvSpPr>
+          <p:cNvPr id="9" name="TextBox 8">
+            <a:extLst>
+              <a:ext uri="{FF2B5EF4-FFF2-40B4-BE49-F238E27FC236}">
+                <a16:creationId xmlns:a16="http://schemas.microsoft.com/office/drawing/2014/main" id="{810CF5DC-0FF7-C715-93C8-399FDC0368DA}"/>
+              </a:ext>
+            </a:extLst>
+          </p:cNvPr>
+          <p:cNvSpPr txBox="1"/>
+          <p:nvPr/>
+        </p:nvSpPr>
+        <p:spPr>
+          <a:xfrm>
+            <a:off x="8693853" y="3444770"/>
+            <a:ext cx="2829453" cy="369332"/>
+          </a:xfrm>
+          <a:prstGeom prst="rect">
+            <a:avLst/>
+          </a:prstGeom>
+          <a:noFill/>
+        </p:spPr>
+        <p:txBody>
+          <a:bodyPr wrap="square" rtlCol="0">
+            <a:spAutoFit/>
+          </a:bodyPr>
+          <a:lstStyle/>
+          <a:p>
+            <a:pPr marL="0" algn="l" rtl="0" eaLnBrk="1" latinLnBrk="0" hangingPunct="1"/>
+            <a:r>
+              <a:rPr lang="en-GB" sz="1800" kern="1200" dirty="0" err="1">
+                <a:solidFill>
+                  <a:srgbClr val="000000"/>
+                </a:solidFill>
+                <a:effectLst/>
+                <a:latin typeface="Aptos" panose="020B0004020202020204" pitchFamily="34" charset="0"/>
+                <a:ea typeface="+mn-ea"/>
+                <a:cs typeface="+mn-cs"/>
+              </a:rPr>
+              <a:t>Distribuidores</a:t>
+            </a:r>
+            <a:r>
+              <a:rPr lang="en-GB" sz="1800" kern="1200" dirty="0">
+                <a:solidFill>
+                  <a:srgbClr val="000000"/>
+                </a:solidFill>
+                <a:effectLst/>
+                <a:latin typeface="Aptos" panose="020B0004020202020204" pitchFamily="34" charset="0"/>
+                <a:ea typeface="+mn-ea"/>
+                <a:cs typeface="+mn-cs"/>
+              </a:rPr>
+              <a:t> y tiendas</a:t>
+            </a:r>
+            <a:endParaRPr lang="en-GB" dirty="0">
+              <a:effectLst/>
+            </a:endParaRPr>
+          </a:p>
+        </p:txBody>
+      </p:sp>
+      <p:sp>
+        <p:nvSpPr>
+          <p:cNvPr id="10" name="TextBox 9">
+            <a:extLst>
+              <a:ext uri="{FF2B5EF4-FFF2-40B4-BE49-F238E27FC236}">
+                <a16:creationId xmlns:a16="http://schemas.microsoft.com/office/drawing/2014/main" id="{07FA8446-C98D-63F3-D389-46477C704849}"/>
+              </a:ext>
+            </a:extLst>
+          </p:cNvPr>
+          <p:cNvSpPr txBox="1"/>
+          <p:nvPr/>
+        </p:nvSpPr>
+        <p:spPr>
+          <a:xfrm>
+            <a:off x="7820706" y="5389228"/>
+            <a:ext cx="3598164" cy="369332"/>
+          </a:xfrm>
+          <a:prstGeom prst="rect">
+            <a:avLst/>
+          </a:prstGeom>
+          <a:noFill/>
+        </p:spPr>
+        <p:txBody>
+          <a:bodyPr wrap="none" rtlCol="0">
+            <a:spAutoFit/>
+          </a:bodyPr>
+          <a:lstStyle/>
+          <a:p>
+            <a:r>
+              <a:rPr lang="es-ES_tradnl" dirty="0"/>
+              <a:t>Competencia directa (fabricantes)</a:t>
+            </a:r>
+          </a:p>
+        </p:txBody>
+      </p:sp>
     </p:spTree>
     <p:extLst>
       <p:ext uri="{BB962C8B-B14F-4D97-AF65-F5344CB8AC3E}">
@@ -7388,15 +8714,6 @@
 </file>
 
 <file path=customXml/item1.xml><?xml version="1.0" encoding="utf-8"?>
-<?mso-contentType ?>
-<FormTemplates xmlns="http://schemas.microsoft.com/sharepoint/v3/contenttype/forms">
-  <Display>DocumentLibraryForm</Display>
-  <Edit>DocumentLibraryForm</Edit>
-  <New>DocumentLibraryForm</New>
-</FormTemplates>
-</file>
-
-<file path=customXml/item2.xml><?xml version="1.0" encoding="utf-8"?>
 <p:properties xmlns:p="http://schemas.microsoft.com/office/2006/metadata/properties" xmlns:xsi="http://www.w3.org/2001/XMLSchema-instance" xmlns:pc="http://schemas.microsoft.com/office/infopath/2007/PartnerControls">
   <documentManagement>
     <lcf76f155ced4ddcb4097134ff3c332f xmlns="8894590a-63d3-477f-ae9c-2ee6b1ed86ab">
@@ -7407,7 +8724,7 @@
 </p:properties>
 </file>
 
-<file path=customXml/item3.xml><?xml version="1.0" encoding="utf-8"?>
+<file path=customXml/item2.xml><?xml version="1.0" encoding="utf-8"?>
 <ct:contentTypeSchema xmlns:ct="http://schemas.microsoft.com/office/2006/metadata/contentType" xmlns:ma="http://schemas.microsoft.com/office/2006/metadata/properties/metaAttributes" ct:_="" ma:_="" ma:contentTypeName="Documento" ma:contentTypeID="0x0101000F296FF6DB4C134FB8B4909F877D1D9B" ma:contentTypeVersion="13" ma:contentTypeDescription="Crear nuevo documento." ma:contentTypeScope="" ma:versionID="79875dd09396de32a35a0e42943aa9f8">
   <xsd:schema xmlns:xsd="http://www.w3.org/2001/XMLSchema" xmlns:xs="http://www.w3.org/2001/XMLSchema" xmlns:p="http://schemas.microsoft.com/office/2006/metadata/properties" xmlns:ns2="fb21810a-d3fa-4548-b058-2287e88bcdc2" xmlns:ns3="8894590a-63d3-477f-ae9c-2ee6b1ed86ab" targetNamespace="http://schemas.microsoft.com/office/2006/metadata/properties" ma:root="true" ma:fieldsID="a53b57dba4ed0605b03bfce32ba9ed01" ns2:_="" ns3:_="">
     <xsd:import namespace="fb21810a-d3fa-4548-b058-2287e88bcdc2"/>
@@ -7630,15 +8947,16 @@
 </ct:contentTypeSchema>
 </file>
 
-<file path=customXml/itemProps1.xml><?xml version="1.0" encoding="utf-8"?>
-<ds:datastoreItem xmlns:ds="http://schemas.openxmlformats.org/officeDocument/2006/customXml" ds:itemID="{4C0C676C-2848-42E0-9CB7-98110D95193E}">
-  <ds:schemaRefs>
-    <ds:schemaRef ds:uri="http://schemas.microsoft.com/sharepoint/v3/contenttype/forms"/>
-  </ds:schemaRefs>
-</ds:datastoreItem>
+<file path=customXml/item3.xml><?xml version="1.0" encoding="utf-8"?>
+<?mso-contentType ?>
+<FormTemplates xmlns="http://schemas.microsoft.com/sharepoint/v3/contenttype/forms">
+  <Display>DocumentLibraryForm</Display>
+  <Edit>DocumentLibraryForm</Edit>
+  <New>DocumentLibraryForm</New>
+</FormTemplates>
 </file>
 
-<file path=customXml/itemProps2.xml><?xml version="1.0" encoding="utf-8"?>
+<file path=customXml/itemProps1.xml><?xml version="1.0" encoding="utf-8"?>
 <ds:datastoreItem xmlns:ds="http://schemas.openxmlformats.org/officeDocument/2006/customXml" ds:itemID="{27D8B443-0B9E-47BD-AA8D-413ED483696F}">
   <ds:schemaRefs>
     <ds:schemaRef ds:uri="http://schemas.microsoft.com/office/2006/metadata/properties"/>
@@ -7649,7 +8967,7 @@
 </ds:datastoreItem>
 </file>
 
-<file path=customXml/itemProps3.xml><?xml version="1.0" encoding="utf-8"?>
+<file path=customXml/itemProps2.xml><?xml version="1.0" encoding="utf-8"?>
 <ds:datastoreItem xmlns:ds="http://schemas.openxmlformats.org/officeDocument/2006/customXml" ds:itemID="{C009E48A-2689-4948-B176-09B8FB323772}">
   <ds:schemaRefs>
     <ds:schemaRef ds:uri="http://schemas.microsoft.com/office/2006/metadata/contentType"/>
@@ -7666,4 +8984,12 @@
     <ds:schemaRef ds:uri="http://schemas.microsoft.com/internal/obd"/>
   </ds:schemaRefs>
 </ds:datastoreItem>
+</file>
+
+<file path=customXml/itemProps3.xml><?xml version="1.0" encoding="utf-8"?>
+<ds:datastoreItem xmlns:ds="http://schemas.openxmlformats.org/officeDocument/2006/customXml" ds:itemID="{4C0C676C-2848-42E0-9CB7-98110D95193E}">
+  <ds:schemaRefs>
+    <ds:schemaRef ds:uri="http://schemas.microsoft.com/sharepoint/v3/contenttype/forms"/>
+  </ds:schemaRefs>
+</ds:datastoreItem>
 </file>